--- a/doc/A balanced approach to testing (WinBlast CapTeam version).pptx
+++ b/doc/A balanced approach to testing (WinBlast CapTeam version).pptx
@@ -5,27 +5,30 @@
     <p:sldMasterId id="2147483648" r:id="rId1"/>
   </p:sldMasterIdLst>
   <p:notesMasterIdLst>
-    <p:notesMasterId r:id="rId20"/>
+    <p:notesMasterId r:id="rId23"/>
   </p:notesMasterIdLst>
   <p:sldIdLst>
     <p:sldId id="256" r:id="rId2"/>
-    <p:sldId id="260" r:id="rId3"/>
-    <p:sldId id="264" r:id="rId4"/>
-    <p:sldId id="278" r:id="rId5"/>
-    <p:sldId id="266" r:id="rId6"/>
-    <p:sldId id="267" r:id="rId7"/>
-    <p:sldId id="262" r:id="rId8"/>
-    <p:sldId id="259" r:id="rId9"/>
-    <p:sldId id="277" r:id="rId10"/>
-    <p:sldId id="270" r:id="rId11"/>
-    <p:sldId id="269" r:id="rId12"/>
-    <p:sldId id="271" r:id="rId13"/>
-    <p:sldId id="279" r:id="rId14"/>
-    <p:sldId id="280" r:id="rId15"/>
-    <p:sldId id="272" r:id="rId16"/>
-    <p:sldId id="273" r:id="rId17"/>
-    <p:sldId id="274" r:id="rId18"/>
-    <p:sldId id="275" r:id="rId19"/>
+    <p:sldId id="282" r:id="rId3"/>
+    <p:sldId id="281" r:id="rId4"/>
+    <p:sldId id="260" r:id="rId5"/>
+    <p:sldId id="264" r:id="rId6"/>
+    <p:sldId id="278" r:id="rId7"/>
+    <p:sldId id="266" r:id="rId8"/>
+    <p:sldId id="267" r:id="rId9"/>
+    <p:sldId id="262" r:id="rId10"/>
+    <p:sldId id="259" r:id="rId11"/>
+    <p:sldId id="277" r:id="rId12"/>
+    <p:sldId id="283" r:id="rId13"/>
+    <p:sldId id="270" r:id="rId14"/>
+    <p:sldId id="269" r:id="rId15"/>
+    <p:sldId id="271" r:id="rId16"/>
+    <p:sldId id="279" r:id="rId17"/>
+    <p:sldId id="280" r:id="rId18"/>
+    <p:sldId id="272" r:id="rId19"/>
+    <p:sldId id="273" r:id="rId20"/>
+    <p:sldId id="274" r:id="rId21"/>
+    <p:sldId id="275" r:id="rId22"/>
   </p:sldIdLst>
   <p:sldSz cx="12192000" cy="6858000"/>
   <p:notesSz cx="6858000" cy="9144000"/>
@@ -214,7 +217,7 @@
           <a:p>
             <a:fld id="{A251FF5B-A924-41B5-BEC0-3B518AB62F42}" type="datetimeFigureOut">
               <a:rPr lang="en-US" smtClean="0"/>
-              <a:t>5/5/2021</a:t>
+              <a:t>5/6/2021</a:t>
             </a:fld>
             <a:endParaRPr lang="en-US"/>
           </a:p>
@@ -509,7 +512,12 @@
             <p:ph type="sldImg"/>
           </p:nvPr>
         </p:nvSpPr>
-        <p:spPr/>
+        <p:spPr>
+          <a:xfrm>
+            <a:off x="433388" y="708025"/>
+            <a:ext cx="6300787" cy="3544888"/>
+          </a:xfrm>
+        </p:spPr>
       </p:sp>
       <p:sp>
         <p:nvSpPr>
@@ -540,23 +548,321 @@
             <p:ph type="sldNum" sz="quarter" idx="10"/>
           </p:nvPr>
         </p:nvSpPr>
-        <p:spPr/>
+        <p:spPr>
+          <a:xfrm>
+            <a:off x="3970938" y="8829967"/>
+            <a:ext cx="3037840" cy="466433"/>
+          </a:xfrm>
+          <a:prstGeom prst="rect">
+            <a:avLst/>
+          </a:prstGeom>
+        </p:spPr>
         <p:txBody>
           <a:bodyPr/>
           <a:lstStyle/>
           <a:p>
-            <a:fld id="{F2AFC571-0269-4F07-A49D-65B674C3C332}" type="slidenum">
-              <a:rPr lang="en-US" smtClean="0"/>
-              <a:t>3</a:t>
+            <a:fld id="{90E29644-38C9-4899-9084-4B5130644495}" type="slidenum">
+              <a:rPr smtClean="0"/>
+              <a:pPr/>
+              <a:t>2</a:t>
             </a:fld>
-            <a:endParaRPr lang="en-US"/>
+            <a:endParaRPr/>
           </a:p>
         </p:txBody>
       </p:sp>
     </p:spTree>
     <p:extLst>
       <p:ext uri="{BB962C8B-B14F-4D97-AF65-F5344CB8AC3E}">
-        <p14:creationId xmlns:p14="http://schemas.microsoft.com/office/powerpoint/2010/main" val="79082764"/>
+        <p14:creationId xmlns:p14="http://schemas.microsoft.com/office/powerpoint/2010/main" val="2373007838"/>
+      </p:ext>
+    </p:extLst>
+  </p:cSld>
+  <p:clrMapOvr>
+    <a:masterClrMapping/>
+  </p:clrMapOvr>
+</p:notes>
+</file>
+
+<file path=ppt/notesSlides/notesSlide10.xml><?xml version="1.0" encoding="utf-8"?>
+<p:notes xmlns:a="http://schemas.openxmlformats.org/drawingml/2006/main" xmlns:r="http://schemas.openxmlformats.org/officeDocument/2006/relationships" xmlns:p="http://schemas.openxmlformats.org/presentationml/2006/main">
+  <p:cSld>
+    <p:spTree>
+      <p:nvGrpSpPr>
+        <p:cNvPr id="1" name=""/>
+        <p:cNvGrpSpPr/>
+        <p:nvPr/>
+      </p:nvGrpSpPr>
+      <p:grpSpPr>
+        <a:xfrm>
+          <a:off x="0" y="0"/>
+          <a:ext cx="0" cy="0"/>
+          <a:chOff x="0" y="0"/>
+          <a:chExt cx="0" cy="0"/>
+        </a:xfrm>
+      </p:grpSpPr>
+      <p:sp>
+        <p:nvSpPr>
+          <p:cNvPr id="2" name="Slide Image Placeholder 1"/>
+          <p:cNvSpPr>
+            <a:spLocks noGrp="1" noRot="1" noChangeAspect="1"/>
+          </p:cNvSpPr>
+          <p:nvPr>
+            <p:ph type="sldImg"/>
+          </p:nvPr>
+        </p:nvSpPr>
+        <p:spPr/>
+      </p:sp>
+      <p:sp>
+        <p:nvSpPr>
+          <p:cNvPr id="3" name="Notes Placeholder 2"/>
+          <p:cNvSpPr>
+            <a:spLocks noGrp="1"/>
+          </p:cNvSpPr>
+          <p:nvPr>
+            <p:ph type="body" idx="1"/>
+          </p:nvPr>
+        </p:nvSpPr>
+        <p:spPr/>
+        <p:txBody>
+          <a:bodyPr/>
+          <a:lstStyle/>
+          <a:p>
+            <a:pPr lvl="0"/>
+            <a:r>
+              <a:rPr lang="en-US" dirty="0" smtClean="0"/>
+              <a:t>Types</a:t>
+            </a:r>
+            <a:r>
+              <a:rPr lang="en-US" baseline="0" dirty="0" smtClean="0"/>
+              <a:t> of implicit type conversions:</a:t>
+            </a:r>
+            <a:endParaRPr lang="en-US" dirty="0" smtClean="0"/>
+          </a:p>
+          <a:p>
+            <a:pPr lvl="0"/>
+            <a:r>
+              <a:rPr lang="en-US" dirty="0" smtClean="0"/>
+              <a:t>	Floating point -&gt; integer (loss of precision)</a:t>
+            </a:r>
+            <a:endParaRPr lang="en-US" baseline="0" dirty="0" smtClean="0"/>
+          </a:p>
+          <a:p>
+            <a:pPr lvl="0"/>
+            <a:r>
+              <a:rPr lang="en-US" baseline="0" dirty="0" smtClean="0"/>
+              <a:t>	</a:t>
+            </a:r>
+            <a:r>
+              <a:rPr lang="en-US" dirty="0" smtClean="0"/>
+              <a:t>Unsigned to signed (loss of information)</a:t>
+            </a:r>
+          </a:p>
+          <a:p>
+            <a:pPr lvl="0"/>
+            <a:r>
+              <a:rPr lang="en-US" dirty="0" smtClean="0"/>
+              <a:t>	Signed to unsigned (possible memory corruption)</a:t>
+            </a:r>
+          </a:p>
+          <a:p>
+            <a:pPr lvl="0"/>
+            <a:r>
+              <a:rPr lang="en-US" dirty="0" smtClean="0"/>
+              <a:t>	32-bit -&gt; 16-bit (loss of precision)</a:t>
+            </a:r>
+            <a:r>
+              <a:rPr lang="en-US" baseline="0" dirty="0" smtClean="0"/>
+              <a:t> </a:t>
+            </a:r>
+          </a:p>
+          <a:p>
+            <a:pPr lvl="0"/>
+            <a:r>
+              <a:rPr lang="en-US" baseline="0" dirty="0" smtClean="0"/>
+              <a:t>	</a:t>
+            </a:r>
+            <a:r>
+              <a:rPr lang="en-US" dirty="0" smtClean="0"/>
+              <a:t>16-bit -&gt; 32-bit (possible memory corruption).</a:t>
+            </a:r>
+          </a:p>
+          <a:p>
+            <a:pPr lvl="0"/>
+            <a:r>
+              <a:rPr lang="en-US" dirty="0" smtClean="0"/>
+              <a:t>Types of class</a:t>
+            </a:r>
+            <a:r>
+              <a:rPr lang="en-US" baseline="0" dirty="0" smtClean="0"/>
+              <a:t> hierarchy issues:</a:t>
+            </a:r>
+          </a:p>
+          <a:p>
+            <a:pPr lvl="2"/>
+            <a:r>
+              <a:rPr lang="en-US" sz="2200" dirty="0" smtClean="0"/>
+              <a:t>Derived classes with redefined methods</a:t>
+            </a:r>
+          </a:p>
+          <a:p>
+            <a:pPr lvl="2"/>
+            <a:r>
+              <a:rPr lang="en-US" sz="2200" dirty="0" smtClean="0"/>
+              <a:t>Subclasses with different behavior</a:t>
+            </a:r>
+          </a:p>
+          <a:p>
+            <a:pPr lvl="2"/>
+            <a:r>
+              <a:rPr lang="en-US" sz="2200" dirty="0" smtClean="0"/>
+              <a:t>Casting away</a:t>
+            </a:r>
+            <a:r>
+              <a:rPr lang="en-US" sz="2200" baseline="0" dirty="0" smtClean="0"/>
+              <a:t> class information</a:t>
+            </a:r>
+            <a:endParaRPr lang="en-US" sz="2600" dirty="0" smtClean="0"/>
+          </a:p>
+          <a:p>
+            <a:pPr lvl="0"/>
+            <a:endParaRPr lang="en-US" dirty="0" smtClean="0"/>
+          </a:p>
+          <a:p>
+            <a:pPr lvl="0"/>
+            <a:endParaRPr lang="en-US" dirty="0" smtClean="0"/>
+          </a:p>
+          <a:p>
+            <a:endParaRPr lang="en-US" dirty="0"/>
+          </a:p>
+        </p:txBody>
+      </p:sp>
+      <p:sp>
+        <p:nvSpPr>
+          <p:cNvPr id="4" name="Slide Number Placeholder 3"/>
+          <p:cNvSpPr>
+            <a:spLocks noGrp="1"/>
+          </p:cNvSpPr>
+          <p:nvPr>
+            <p:ph type="sldNum" sz="quarter" idx="10"/>
+          </p:nvPr>
+        </p:nvSpPr>
+        <p:spPr/>
+        <p:txBody>
+          <a:bodyPr/>
+          <a:lstStyle/>
+          <a:p>
+            <a:fld id="{F2AFC571-0269-4F07-A49D-65B674C3C332}" type="slidenum">
+              <a:rPr lang="en-US" smtClean="0"/>
+              <a:t>19</a:t>
+            </a:fld>
+            <a:endParaRPr lang="en-US"/>
+          </a:p>
+        </p:txBody>
+      </p:sp>
+    </p:spTree>
+    <p:extLst>
+      <p:ext uri="{BB962C8B-B14F-4D97-AF65-F5344CB8AC3E}">
+        <p14:creationId xmlns:p14="http://schemas.microsoft.com/office/powerpoint/2010/main" val="2224054116"/>
+      </p:ext>
+    </p:extLst>
+  </p:cSld>
+  <p:clrMapOvr>
+    <a:masterClrMapping/>
+  </p:clrMapOvr>
+</p:notes>
+</file>
+
+<file path=ppt/notesSlides/notesSlide11.xml><?xml version="1.0" encoding="utf-8"?>
+<p:notes xmlns:a="http://schemas.openxmlformats.org/drawingml/2006/main" xmlns:r="http://schemas.openxmlformats.org/officeDocument/2006/relationships" xmlns:p="http://schemas.openxmlformats.org/presentationml/2006/main">
+  <p:cSld>
+    <p:spTree>
+      <p:nvGrpSpPr>
+        <p:cNvPr id="1" name=""/>
+        <p:cNvGrpSpPr/>
+        <p:nvPr/>
+      </p:nvGrpSpPr>
+      <p:grpSpPr>
+        <a:xfrm>
+          <a:off x="0" y="0"/>
+          <a:ext cx="0" cy="0"/>
+          <a:chOff x="0" y="0"/>
+          <a:chExt cx="0" cy="0"/>
+        </a:xfrm>
+      </p:grpSpPr>
+      <p:sp>
+        <p:nvSpPr>
+          <p:cNvPr id="2" name="Slide Image Placeholder 1"/>
+          <p:cNvSpPr>
+            <a:spLocks noGrp="1" noRot="1" noChangeAspect="1"/>
+          </p:cNvSpPr>
+          <p:nvPr>
+            <p:ph type="sldImg"/>
+          </p:nvPr>
+        </p:nvSpPr>
+        <p:spPr/>
+      </p:sp>
+      <p:sp>
+        <p:nvSpPr>
+          <p:cNvPr id="3" name="Notes Placeholder 2"/>
+          <p:cNvSpPr>
+            <a:spLocks noGrp="1"/>
+          </p:cNvSpPr>
+          <p:nvPr>
+            <p:ph type="body" idx="1"/>
+          </p:nvPr>
+        </p:nvSpPr>
+        <p:spPr/>
+        <p:txBody>
+          <a:bodyPr/>
+          <a:lstStyle/>
+          <a:p>
+            <a:r>
+              <a:rPr lang="en-US" dirty="0" smtClean="0"/>
+              <a:t>Those types of</a:t>
+            </a:r>
+            <a:r>
+              <a:rPr lang="en-US" baseline="0" dirty="0" smtClean="0"/>
+              <a:t> testing </a:t>
+            </a:r>
+            <a:r>
+              <a:rPr lang="en-US" dirty="0" smtClean="0"/>
+              <a:t>that aren’t covered are still important</a:t>
+            </a:r>
+            <a:r>
+              <a:rPr lang="en-US" baseline="0" dirty="0" smtClean="0"/>
+              <a:t> – it’s just they are already being done by the JPC or others. </a:t>
+            </a:r>
+            <a:endParaRPr lang="en-US" dirty="0"/>
+          </a:p>
+        </p:txBody>
+      </p:sp>
+      <p:sp>
+        <p:nvSpPr>
+          <p:cNvPr id="4" name="Slide Number Placeholder 3"/>
+          <p:cNvSpPr>
+            <a:spLocks noGrp="1"/>
+          </p:cNvSpPr>
+          <p:nvPr>
+            <p:ph type="sldNum" sz="quarter" idx="10"/>
+          </p:nvPr>
+        </p:nvSpPr>
+        <p:spPr/>
+        <p:txBody>
+          <a:bodyPr/>
+          <a:lstStyle/>
+          <a:p>
+            <a:fld id="{F2AFC571-0269-4F07-A49D-65B674C3C332}" type="slidenum">
+              <a:rPr lang="en-US" smtClean="0"/>
+              <a:t>21</a:t>
+            </a:fld>
+            <a:endParaRPr lang="en-US"/>
+          </a:p>
+        </p:txBody>
+      </p:sp>
+    </p:spTree>
+    <p:extLst>
+      <p:ext uri="{BB962C8B-B14F-4D97-AF65-F5344CB8AC3E}">
+        <p14:creationId xmlns:p14="http://schemas.microsoft.com/office/powerpoint/2010/main" val="2970295056"/>
       </p:ext>
     </p:extLst>
   </p:cSld>
@@ -611,44 +917,39 @@
           <a:lstStyle/>
           <a:p>
             <a:r>
-              <a:rPr lang="en-US" dirty="0" smtClean="0"/>
-              <a:t>Bullet</a:t>
-            </a:r>
-            <a:r>
-              <a:rPr lang="en-US" baseline="0" dirty="0" smtClean="0"/>
-              <a:t> 2 is important. Every dev has probably done it – you’ve </a:t>
-            </a:r>
-            <a:r>
-              <a:rPr lang="en-US" b="1" baseline="0" dirty="0" smtClean="0"/>
-              <a:t>duplicated portions of your app code to connect a series of code and function calls together </a:t>
-            </a:r>
-            <a:r>
-              <a:rPr lang="en-US" baseline="0" dirty="0" smtClean="0"/>
-              <a:t>and called it an integration test. But, u</a:t>
-            </a:r>
-            <a:r>
-              <a:rPr lang="en-US" dirty="0" smtClean="0"/>
-              <a:t>nit tests + glue code are either</a:t>
-            </a:r>
-            <a:r>
-              <a:rPr lang="en-US" baseline="0" dirty="0" smtClean="0"/>
-              <a:t> </a:t>
-            </a:r>
-            <a:r>
-              <a:rPr lang="en-US" dirty="0" smtClean="0"/>
-              <a:t>Fancy</a:t>
-            </a:r>
-            <a:r>
-              <a:rPr lang="en-US" baseline="0" dirty="0" smtClean="0"/>
-              <a:t> Unit Tests or just system tests. Not integration tests. The need for glue code indicates that your interfaces don’t match and need 1) additional design work, or 2) wrapping to hide data type translations.</a:t>
-            </a:r>
-          </a:p>
-          <a:p>
-            <a:r>
-              <a:rPr lang="en-US" baseline="0" dirty="0" smtClean="0"/>
-              <a:t>Bullet 3 means that although inputs are needed to drive the test and outputs are checked to verify that the test ran, the real purpose of the test is to make sure that the unit interfaces match up correctly. This includes checking whether inputs/outputs are coerced to invalid types (e.g., floating point values are switched to integers; 32-bit values are switched to 16-bit values; more derived types are switched to less derived types). The importance of this is underscored by the Ariane 5 rocket explosion due to a type conversion error – a direct result of missing integration tests.</a:t>
-            </a:r>
-            <a:endParaRPr lang="en-US" dirty="0"/>
+              <a:rPr lang="en-US">
+                <a:latin typeface="Arial"/>
+                <a:ea typeface="ＭＳ Ｐゴシック"/>
+                <a:cs typeface="Arial"/>
+              </a:rPr>
+              <a:t>How many applications across DAC does this affect.</a:t>
+            </a:r>
+          </a:p>
+          <a:p>
+            <a:endParaRPr lang="en-US">
+              <a:cs typeface="Calibri"/>
+            </a:endParaRPr>
+          </a:p>
+          <a:p>
+            <a:r>
+              <a:rPr lang="en-US">
+                <a:cs typeface="Calibri"/>
+              </a:rPr>
+              <a:t>How many sys-admins do we need?</a:t>
+            </a:r>
+          </a:p>
+          <a:p>
+            <a:endParaRPr lang="en-US">
+              <a:cs typeface="Calibri"/>
+            </a:endParaRPr>
+          </a:p>
+          <a:p>
+            <a:r>
+              <a:rPr lang="en-US">
+                <a:cs typeface="Calibri"/>
+              </a:rPr>
+              <a:t>Zero sum game.</a:t>
+            </a:r>
           </a:p>
         </p:txBody>
       </p:sp>
@@ -659,7 +960,7 @@
             <a:spLocks noGrp="1"/>
           </p:cNvSpPr>
           <p:nvPr>
-            <p:ph type="sldNum" sz="quarter" idx="10"/>
+            <p:ph type="sldNum" sz="quarter" idx="5"/>
           </p:nvPr>
         </p:nvSpPr>
         <p:spPr/>
@@ -667,9 +968,9 @@
           <a:bodyPr/>
           <a:lstStyle/>
           <a:p>
-            <a:fld id="{F2AFC571-0269-4F07-A49D-65B674C3C332}" type="slidenum">
-              <a:rPr lang="en-US" smtClean="0"/>
-              <a:t>5</a:t>
+            <a:fld id="{8DB2ED93-0366-4503-B340-B810F8693EF9}" type="slidenum">
+              <a:rPr lang="en-US"/>
+              <a:t>3</a:t>
             </a:fld>
             <a:endParaRPr lang="en-US"/>
           </a:p>
@@ -678,7 +979,7 @@
     </p:spTree>
     <p:extLst>
       <p:ext uri="{BB962C8B-B14F-4D97-AF65-F5344CB8AC3E}">
-        <p14:creationId xmlns:p14="http://schemas.microsoft.com/office/powerpoint/2010/main" val="2140688401"/>
+        <p14:creationId xmlns:p14="http://schemas.microsoft.com/office/powerpoint/2010/main" val="3537273048"/>
       </p:ext>
     </p:extLst>
   </p:cSld>
@@ -753,7 +1054,7 @@
           <a:p>
             <a:fld id="{F2AFC571-0269-4F07-A49D-65B674C3C332}" type="slidenum">
               <a:rPr lang="en-US" smtClean="0"/>
-              <a:t>6</a:t>
+              <a:t>5</a:t>
             </a:fld>
             <a:endParaRPr lang="en-US"/>
           </a:p>
@@ -762,7 +1063,7 @@
     </p:spTree>
     <p:extLst>
       <p:ext uri="{BB962C8B-B14F-4D97-AF65-F5344CB8AC3E}">
-        <p14:creationId xmlns:p14="http://schemas.microsoft.com/office/powerpoint/2010/main" val="1340109971"/>
+        <p14:creationId xmlns:p14="http://schemas.microsoft.com/office/powerpoint/2010/main" val="79082764"/>
       </p:ext>
     </p:extLst>
   </p:cSld>
@@ -818,19 +1119,41 @@
           <a:p>
             <a:r>
               <a:rPr lang="en-US" dirty="0" smtClean="0"/>
-              <a:t>Defense in depth is a term</a:t>
+              <a:t>Bullet</a:t>
             </a:r>
             <a:r>
               <a:rPr lang="en-US" baseline="0" dirty="0" smtClean="0"/>
-              <a:t> used in information security: overlapping systems designed to provide security even if one of them fails. This type of additional </a:t>
-            </a:r>
-            <a:r>
-              <a:rPr lang="en-US" baseline="0" smtClean="0"/>
-              <a:t>assurance also applies </a:t>
+              <a:t> 2 is important. Every dev has probably done it – you’ve </a:t>
+            </a:r>
+            <a:r>
+              <a:rPr lang="en-US" b="1" baseline="0" dirty="0" smtClean="0"/>
+              <a:t>duplicated portions of your app code to connect a series of code and function calls together </a:t>
             </a:r>
             <a:r>
               <a:rPr lang="en-US" baseline="0" dirty="0" smtClean="0"/>
-              <a:t>to balanced and layered testing.</a:t>
+              <a:t>and called it an integration test. But, u</a:t>
+            </a:r>
+            <a:r>
+              <a:rPr lang="en-US" dirty="0" smtClean="0"/>
+              <a:t>nit tests + glue code are either</a:t>
+            </a:r>
+            <a:r>
+              <a:rPr lang="en-US" baseline="0" dirty="0" smtClean="0"/>
+              <a:t> </a:t>
+            </a:r>
+            <a:r>
+              <a:rPr lang="en-US" dirty="0" smtClean="0"/>
+              <a:t>Fancy</a:t>
+            </a:r>
+            <a:r>
+              <a:rPr lang="en-US" baseline="0" dirty="0" smtClean="0"/>
+              <a:t> Unit Tests or just system tests. Not integration tests. The need for glue code indicates that your interfaces don’t match and need 1) additional design work, or 2) wrapping to hide data type translations.</a:t>
+            </a:r>
+          </a:p>
+          <a:p>
+            <a:r>
+              <a:rPr lang="en-US" baseline="0" dirty="0" smtClean="0"/>
+              <a:t>Bullet 3 means that although inputs are needed to drive the test and outputs are checked to verify that the test ran, the real purpose of the test is to make sure that the unit interfaces match up correctly. This includes checking whether inputs/outputs are coerced to invalid types (e.g., floating point values are switched to integers; 32-bit values are switched to 16-bit values; more derived types are switched to less derived types). The importance of this is underscored by the Ariane 5 rocket explosion due to a type conversion error – a direct result of missing integration tests.</a:t>
             </a:r>
             <a:endParaRPr lang="en-US" dirty="0"/>
           </a:p>
@@ -862,7 +1185,7 @@
     </p:spTree>
     <p:extLst>
       <p:ext uri="{BB962C8B-B14F-4D97-AF65-F5344CB8AC3E}">
-        <p14:creationId xmlns:p14="http://schemas.microsoft.com/office/powerpoint/2010/main" val="3344920115"/>
+        <p14:creationId xmlns:p14="http://schemas.microsoft.com/office/powerpoint/2010/main" val="2140688401"/>
       </p:ext>
     </p:extLst>
   </p:cSld>
@@ -946,7 +1269,7 @@
     </p:spTree>
     <p:extLst>
       <p:ext uri="{BB962C8B-B14F-4D97-AF65-F5344CB8AC3E}">
-        <p14:creationId xmlns:p14="http://schemas.microsoft.com/office/powerpoint/2010/main" val="549437611"/>
+        <p14:creationId xmlns:p14="http://schemas.microsoft.com/office/powerpoint/2010/main" val="1340109971"/>
       </p:ext>
     </p:extLst>
   </p:cSld>
@@ -1000,6 +1323,22 @@
           <a:bodyPr/>
           <a:lstStyle/>
           <a:p>
+            <a:r>
+              <a:rPr lang="en-US" dirty="0" smtClean="0"/>
+              <a:t>Defense in depth is a term</a:t>
+            </a:r>
+            <a:r>
+              <a:rPr lang="en-US" baseline="0" dirty="0" smtClean="0"/>
+              <a:t> used in information security: overlapping systems designed to provide security even if one of them fails. This type of additional </a:t>
+            </a:r>
+            <a:r>
+              <a:rPr lang="en-US" baseline="0" smtClean="0"/>
+              <a:t>assurance also applies </a:t>
+            </a:r>
+            <a:r>
+              <a:rPr lang="en-US" baseline="0" dirty="0" smtClean="0"/>
+              <a:t>to balanced and layered testing.</a:t>
+            </a:r>
             <a:endParaRPr lang="en-US" dirty="0"/>
           </a:p>
         </p:txBody>
@@ -1030,7 +1369,7 @@
     </p:spTree>
     <p:extLst>
       <p:ext uri="{BB962C8B-B14F-4D97-AF65-F5344CB8AC3E}">
-        <p14:creationId xmlns:p14="http://schemas.microsoft.com/office/powerpoint/2010/main" val="2169154185"/>
+        <p14:creationId xmlns:p14="http://schemas.microsoft.com/office/powerpoint/2010/main" val="3344920115"/>
       </p:ext>
     </p:extLst>
   </p:cSld>
@@ -1084,111 +1423,6 @@
           <a:bodyPr/>
           <a:lstStyle/>
           <a:p>
-            <a:pPr lvl="0"/>
-            <a:r>
-              <a:rPr lang="en-US" dirty="0" smtClean="0"/>
-              <a:t>Types</a:t>
-            </a:r>
-            <a:r>
-              <a:rPr lang="en-US" baseline="0" dirty="0" smtClean="0"/>
-              <a:t> of implicit type conversions:</a:t>
-            </a:r>
-            <a:endParaRPr lang="en-US" dirty="0" smtClean="0"/>
-          </a:p>
-          <a:p>
-            <a:pPr lvl="0"/>
-            <a:r>
-              <a:rPr lang="en-US" dirty="0" smtClean="0"/>
-              <a:t>	Floating point -&gt; integer (loss of precision)</a:t>
-            </a:r>
-            <a:endParaRPr lang="en-US" baseline="0" dirty="0" smtClean="0"/>
-          </a:p>
-          <a:p>
-            <a:pPr lvl="0"/>
-            <a:r>
-              <a:rPr lang="en-US" baseline="0" dirty="0" smtClean="0"/>
-              <a:t>	</a:t>
-            </a:r>
-            <a:r>
-              <a:rPr lang="en-US" dirty="0" smtClean="0"/>
-              <a:t>Unsigned to signed (loss of information)</a:t>
-            </a:r>
-          </a:p>
-          <a:p>
-            <a:pPr lvl="0"/>
-            <a:r>
-              <a:rPr lang="en-US" dirty="0" smtClean="0"/>
-              <a:t>	Signed to unsigned (possible memory corruption)</a:t>
-            </a:r>
-          </a:p>
-          <a:p>
-            <a:pPr lvl="0"/>
-            <a:r>
-              <a:rPr lang="en-US" dirty="0" smtClean="0"/>
-              <a:t>	32-bit -&gt; 16-bit (loss of precision)</a:t>
-            </a:r>
-            <a:r>
-              <a:rPr lang="en-US" baseline="0" dirty="0" smtClean="0"/>
-              <a:t> </a:t>
-            </a:r>
-          </a:p>
-          <a:p>
-            <a:pPr lvl="0"/>
-            <a:r>
-              <a:rPr lang="en-US" baseline="0" dirty="0" smtClean="0"/>
-              <a:t>	</a:t>
-            </a:r>
-            <a:r>
-              <a:rPr lang="en-US" dirty="0" smtClean="0"/>
-              <a:t>16-bit -&gt; 32-bit (possible memory corruption).</a:t>
-            </a:r>
-          </a:p>
-          <a:p>
-            <a:pPr lvl="0"/>
-            <a:r>
-              <a:rPr lang="en-US" dirty="0" smtClean="0"/>
-              <a:t>Types of class</a:t>
-            </a:r>
-            <a:r>
-              <a:rPr lang="en-US" baseline="0" dirty="0" smtClean="0"/>
-              <a:t> hierarchy issues:</a:t>
-            </a:r>
-          </a:p>
-          <a:p>
-            <a:pPr lvl="2"/>
-            <a:r>
-              <a:rPr lang="en-US" sz="2200" dirty="0" smtClean="0"/>
-              <a:t>Derived classes with redefined methods</a:t>
-            </a:r>
-          </a:p>
-          <a:p>
-            <a:pPr lvl="2"/>
-            <a:r>
-              <a:rPr lang="en-US" sz="2200" dirty="0" smtClean="0"/>
-              <a:t>Subclasses with different behavior</a:t>
-            </a:r>
-          </a:p>
-          <a:p>
-            <a:pPr lvl="2"/>
-            <a:r>
-              <a:rPr lang="en-US" sz="2200" dirty="0" smtClean="0"/>
-              <a:t>Casting away</a:t>
-            </a:r>
-            <a:r>
-              <a:rPr lang="en-US" sz="2200" baseline="0" dirty="0" smtClean="0"/>
-              <a:t> class information</a:t>
-            </a:r>
-            <a:endParaRPr lang="en-US" sz="2600" dirty="0" smtClean="0"/>
-          </a:p>
-          <a:p>
-            <a:pPr lvl="0"/>
-            <a:endParaRPr lang="en-US" dirty="0" smtClean="0"/>
-          </a:p>
-          <a:p>
-            <a:pPr lvl="0"/>
-            <a:endParaRPr lang="en-US" dirty="0" smtClean="0"/>
-          </a:p>
-          <a:p>
             <a:endParaRPr lang="en-US" dirty="0"/>
           </a:p>
         </p:txBody>
@@ -1210,7 +1444,7 @@
           <a:p>
             <a:fld id="{F2AFC571-0269-4F07-A49D-65B674C3C332}" type="slidenum">
               <a:rPr lang="en-US" smtClean="0"/>
-              <a:t>16</a:t>
+              <a:t>10</a:t>
             </a:fld>
             <a:endParaRPr lang="en-US"/>
           </a:p>
@@ -1219,7 +1453,7 @@
     </p:spTree>
     <p:extLst>
       <p:ext uri="{BB962C8B-B14F-4D97-AF65-F5344CB8AC3E}">
-        <p14:creationId xmlns:p14="http://schemas.microsoft.com/office/powerpoint/2010/main" val="2224054116"/>
+        <p14:creationId xmlns:p14="http://schemas.microsoft.com/office/powerpoint/2010/main" val="549437611"/>
       </p:ext>
     </p:extLst>
   </p:cSld>
@@ -1273,22 +1507,6 @@
           <a:bodyPr/>
           <a:lstStyle/>
           <a:p>
-            <a:r>
-              <a:rPr lang="en-US" dirty="0" smtClean="0"/>
-              <a:t>Those types of</a:t>
-            </a:r>
-            <a:r>
-              <a:rPr lang="en-US" baseline="0" dirty="0" smtClean="0"/>
-              <a:t> testing </a:t>
-            </a:r>
-            <a:r>
-              <a:rPr lang="en-US" dirty="0" smtClean="0"/>
-              <a:t>that aren’t covered are still important</a:t>
-            </a:r>
-            <a:r>
-              <a:rPr lang="en-US" baseline="0" dirty="0" smtClean="0"/>
-              <a:t> – it’s just they are already being done by the JPC or others. </a:t>
-            </a:r>
             <a:endParaRPr lang="en-US" dirty="0"/>
           </a:p>
         </p:txBody>
@@ -1310,7 +1528,7 @@
           <a:p>
             <a:fld id="{F2AFC571-0269-4F07-A49D-65B674C3C332}" type="slidenum">
               <a:rPr lang="en-US" smtClean="0"/>
-              <a:t>18</a:t>
+              <a:t>11</a:t>
             </a:fld>
             <a:endParaRPr lang="en-US"/>
           </a:p>
@@ -1319,7 +1537,91 @@
     </p:spTree>
     <p:extLst>
       <p:ext uri="{BB962C8B-B14F-4D97-AF65-F5344CB8AC3E}">
-        <p14:creationId xmlns:p14="http://schemas.microsoft.com/office/powerpoint/2010/main" val="2970295056"/>
+        <p14:creationId xmlns:p14="http://schemas.microsoft.com/office/powerpoint/2010/main" val="2169154185"/>
+      </p:ext>
+    </p:extLst>
+  </p:cSld>
+  <p:clrMapOvr>
+    <a:masterClrMapping/>
+  </p:clrMapOvr>
+</p:notes>
+</file>
+
+<file path=ppt/notesSlides/notesSlide9.xml><?xml version="1.0" encoding="utf-8"?>
+<p:notes xmlns:a="http://schemas.openxmlformats.org/drawingml/2006/main" xmlns:r="http://schemas.openxmlformats.org/officeDocument/2006/relationships" xmlns:p="http://schemas.openxmlformats.org/presentationml/2006/main">
+  <p:cSld>
+    <p:spTree>
+      <p:nvGrpSpPr>
+        <p:cNvPr id="1" name=""/>
+        <p:cNvGrpSpPr/>
+        <p:nvPr/>
+      </p:nvGrpSpPr>
+      <p:grpSpPr>
+        <a:xfrm>
+          <a:off x="0" y="0"/>
+          <a:ext cx="0" cy="0"/>
+          <a:chOff x="0" y="0"/>
+          <a:chExt cx="0" cy="0"/>
+        </a:xfrm>
+      </p:grpSpPr>
+      <p:sp>
+        <p:nvSpPr>
+          <p:cNvPr id="2" name="Slide Image Placeholder 1"/>
+          <p:cNvSpPr>
+            <a:spLocks noGrp="1" noRot="1" noChangeAspect="1"/>
+          </p:cNvSpPr>
+          <p:nvPr>
+            <p:ph type="sldImg"/>
+          </p:nvPr>
+        </p:nvSpPr>
+        <p:spPr/>
+      </p:sp>
+      <p:sp>
+        <p:nvSpPr>
+          <p:cNvPr id="3" name="Notes Placeholder 2"/>
+          <p:cNvSpPr>
+            <a:spLocks noGrp="1"/>
+          </p:cNvSpPr>
+          <p:nvPr>
+            <p:ph type="body" idx="1"/>
+          </p:nvPr>
+        </p:nvSpPr>
+        <p:spPr/>
+        <p:txBody>
+          <a:bodyPr/>
+          <a:lstStyle/>
+          <a:p>
+            <a:endParaRPr lang="en-US" dirty="0"/>
+          </a:p>
+        </p:txBody>
+      </p:sp>
+      <p:sp>
+        <p:nvSpPr>
+          <p:cNvPr id="4" name="Slide Number Placeholder 3"/>
+          <p:cNvSpPr>
+            <a:spLocks noGrp="1"/>
+          </p:cNvSpPr>
+          <p:nvPr>
+            <p:ph type="sldNum" sz="quarter" idx="10"/>
+          </p:nvPr>
+        </p:nvSpPr>
+        <p:spPr/>
+        <p:txBody>
+          <a:bodyPr/>
+          <a:lstStyle/>
+          <a:p>
+            <a:fld id="{F2AFC571-0269-4F07-A49D-65B674C3C332}" type="slidenum">
+              <a:rPr lang="en-US" smtClean="0"/>
+              <a:t>12</a:t>
+            </a:fld>
+            <a:endParaRPr lang="en-US"/>
+          </a:p>
+        </p:txBody>
+      </p:sp>
+    </p:spTree>
+    <p:extLst>
+      <p:ext uri="{BB962C8B-B14F-4D97-AF65-F5344CB8AC3E}">
+        <p14:creationId xmlns:p14="http://schemas.microsoft.com/office/powerpoint/2010/main" val="3577368732"/>
       </p:ext>
     </p:extLst>
   </p:cSld>
@@ -1445,66 +1747,63 @@
       </p:sp>
       <p:sp>
         <p:nvSpPr>
-          <p:cNvPr id="4" name="Date Placeholder 3"/>
-          <p:cNvSpPr>
-            <a:spLocks noGrp="1"/>
-          </p:cNvSpPr>
-          <p:nvPr>
-            <p:ph type="dt" sz="half" idx="10"/>
-          </p:nvPr>
-        </p:nvSpPr>
-        <p:spPr/>
-        <p:txBody>
-          <a:bodyPr/>
-          <a:lstStyle/>
-          <a:p>
-            <a:fld id="{45A16EE6-7E6A-4542-B9E8-1CC72818C7AE}" type="datetimeFigureOut">
-              <a:rPr lang="en-US" smtClean="0"/>
-              <a:t>5/5/2021</a:t>
-            </a:fld>
-            <a:endParaRPr lang="en-US"/>
-          </a:p>
-        </p:txBody>
-      </p:sp>
-      <p:sp>
-        <p:nvSpPr>
-          <p:cNvPr id="5" name="Footer Placeholder 4"/>
-          <p:cNvSpPr>
-            <a:spLocks noGrp="1"/>
-          </p:cNvSpPr>
-          <p:nvPr>
-            <p:ph type="ftr" sz="quarter" idx="11"/>
-          </p:nvPr>
-        </p:nvSpPr>
-        <p:spPr/>
-        <p:txBody>
-          <a:bodyPr/>
-          <a:lstStyle/>
-          <a:p>
-            <a:endParaRPr lang="en-US"/>
-          </a:p>
-        </p:txBody>
-      </p:sp>
-      <p:sp>
-        <p:nvSpPr>
-          <p:cNvPr id="6" name="Slide Number Placeholder 5"/>
-          <p:cNvSpPr>
-            <a:spLocks noGrp="1"/>
-          </p:cNvSpPr>
-          <p:nvPr>
-            <p:ph type="sldNum" sz="quarter" idx="12"/>
-          </p:nvPr>
-        </p:nvSpPr>
-        <p:spPr/>
-        <p:txBody>
-          <a:bodyPr/>
-          <a:lstStyle/>
-          <a:p>
-            <a:fld id="{70571C9F-B883-46C0-9FF7-BB2A81F92711}" type="slidenum">
-              <a:rPr lang="en-US" smtClean="0"/>
-              <a:t>‹#›</a:t>
-            </a:fld>
-            <a:endParaRPr lang="en-US"/>
+          <p:cNvPr id="7" name="TextBox 6"/>
+          <p:cNvSpPr txBox="1"/>
+          <p:nvPr userDrawn="1"/>
+        </p:nvSpPr>
+        <p:spPr>
+          <a:xfrm>
+            <a:off x="0" y="154546"/>
+            <a:ext cx="12192000" cy="369332"/>
+          </a:xfrm>
+          <a:prstGeom prst="rect">
+            <a:avLst/>
+          </a:prstGeom>
+          <a:noFill/>
+        </p:spPr>
+        <p:txBody>
+          <a:bodyPr wrap="square" rtlCol="0">
+            <a:spAutoFit/>
+          </a:bodyPr>
+          <a:lstStyle/>
+          <a:p>
+            <a:pPr algn="ctr"/>
+            <a:r>
+              <a:rPr lang="en-US" dirty="0" smtClean="0"/>
+              <a:t>NOT INTENDED FOR PUBLIC RELEASE</a:t>
+            </a:r>
+            <a:endParaRPr lang="en-US" dirty="0"/>
+          </a:p>
+        </p:txBody>
+      </p:sp>
+      <p:sp>
+        <p:nvSpPr>
+          <p:cNvPr id="8" name="TextBox 7"/>
+          <p:cNvSpPr txBox="1"/>
+          <p:nvPr userDrawn="1"/>
+        </p:nvSpPr>
+        <p:spPr>
+          <a:xfrm>
+            <a:off x="1" y="6488668"/>
+            <a:ext cx="12192000" cy="369332"/>
+          </a:xfrm>
+          <a:prstGeom prst="rect">
+            <a:avLst/>
+          </a:prstGeom>
+          <a:noFill/>
+        </p:spPr>
+        <p:txBody>
+          <a:bodyPr wrap="square" rtlCol="0">
+            <a:spAutoFit/>
+          </a:bodyPr>
+          <a:lstStyle/>
+          <a:p>
+            <a:pPr algn="ctr"/>
+            <a:r>
+              <a:rPr lang="en-US" dirty="0" smtClean="0"/>
+              <a:t>NOT INTENDED FOR PUBLIC RELEASE</a:t>
+            </a:r>
+            <a:endParaRPr lang="en-US" dirty="0"/>
           </a:p>
         </p:txBody>
       </p:sp>
@@ -1630,7 +1929,7 @@
           <a:p>
             <a:fld id="{45A16EE6-7E6A-4542-B9E8-1CC72818C7AE}" type="datetimeFigureOut">
               <a:rPr lang="en-US" smtClean="0"/>
-              <a:t>5/5/2021</a:t>
+              <a:t>5/6/2021</a:t>
             </a:fld>
             <a:endParaRPr lang="en-US"/>
           </a:p>
@@ -1810,7 +2109,7 @@
           <a:p>
             <a:fld id="{45A16EE6-7E6A-4542-B9E8-1CC72818C7AE}" type="datetimeFigureOut">
               <a:rPr lang="en-US" smtClean="0"/>
-              <a:t>5/5/2021</a:t>
+              <a:t>5/6/2021</a:t>
             </a:fld>
             <a:endParaRPr lang="en-US"/>
           </a:p>
@@ -1965,66 +2264,63 @@
       </p:sp>
       <p:sp>
         <p:nvSpPr>
-          <p:cNvPr id="4" name="Date Placeholder 3"/>
-          <p:cNvSpPr>
-            <a:spLocks noGrp="1"/>
-          </p:cNvSpPr>
-          <p:nvPr>
-            <p:ph type="dt" sz="half" idx="10"/>
-          </p:nvPr>
-        </p:nvSpPr>
-        <p:spPr/>
-        <p:txBody>
-          <a:bodyPr/>
-          <a:lstStyle/>
-          <a:p>
-            <a:fld id="{45A16EE6-7E6A-4542-B9E8-1CC72818C7AE}" type="datetimeFigureOut">
-              <a:rPr lang="en-US" smtClean="0"/>
-              <a:t>5/5/2021</a:t>
-            </a:fld>
-            <a:endParaRPr lang="en-US"/>
-          </a:p>
-        </p:txBody>
-      </p:sp>
-      <p:sp>
-        <p:nvSpPr>
-          <p:cNvPr id="5" name="Footer Placeholder 4"/>
-          <p:cNvSpPr>
-            <a:spLocks noGrp="1"/>
-          </p:cNvSpPr>
-          <p:nvPr>
-            <p:ph type="ftr" sz="quarter" idx="11"/>
-          </p:nvPr>
-        </p:nvSpPr>
-        <p:spPr/>
-        <p:txBody>
-          <a:bodyPr/>
-          <a:lstStyle/>
-          <a:p>
-            <a:endParaRPr lang="en-US"/>
-          </a:p>
-        </p:txBody>
-      </p:sp>
-      <p:sp>
-        <p:nvSpPr>
-          <p:cNvPr id="6" name="Slide Number Placeholder 5"/>
-          <p:cNvSpPr>
-            <a:spLocks noGrp="1"/>
-          </p:cNvSpPr>
-          <p:nvPr>
-            <p:ph type="sldNum" sz="quarter" idx="12"/>
-          </p:nvPr>
-        </p:nvSpPr>
-        <p:spPr/>
-        <p:txBody>
-          <a:bodyPr/>
-          <a:lstStyle/>
-          <a:p>
-            <a:fld id="{70571C9F-B883-46C0-9FF7-BB2A81F92711}" type="slidenum">
-              <a:rPr lang="en-US" smtClean="0"/>
-              <a:t>‹#›</a:t>
-            </a:fld>
-            <a:endParaRPr lang="en-US"/>
+          <p:cNvPr id="7" name="TextBox 6"/>
+          <p:cNvSpPr txBox="1"/>
+          <p:nvPr userDrawn="1"/>
+        </p:nvSpPr>
+        <p:spPr>
+          <a:xfrm>
+            <a:off x="0" y="-4207"/>
+            <a:ext cx="12192000" cy="369332"/>
+          </a:xfrm>
+          <a:prstGeom prst="rect">
+            <a:avLst/>
+          </a:prstGeom>
+          <a:noFill/>
+        </p:spPr>
+        <p:txBody>
+          <a:bodyPr wrap="square" rtlCol="0">
+            <a:spAutoFit/>
+          </a:bodyPr>
+          <a:lstStyle/>
+          <a:p>
+            <a:pPr algn="ctr"/>
+            <a:r>
+              <a:rPr lang="en-US" dirty="0" smtClean="0"/>
+              <a:t>NOT INTENDED FOR PUBLIC RELEASE</a:t>
+            </a:r>
+            <a:endParaRPr lang="en-US" dirty="0"/>
+          </a:p>
+        </p:txBody>
+      </p:sp>
+      <p:sp>
+        <p:nvSpPr>
+          <p:cNvPr id="8" name="TextBox 7"/>
+          <p:cNvSpPr txBox="1"/>
+          <p:nvPr userDrawn="1"/>
+        </p:nvSpPr>
+        <p:spPr>
+          <a:xfrm>
+            <a:off x="0" y="6472870"/>
+            <a:ext cx="12192000" cy="369332"/>
+          </a:xfrm>
+          <a:prstGeom prst="rect">
+            <a:avLst/>
+          </a:prstGeom>
+          <a:noFill/>
+        </p:spPr>
+        <p:txBody>
+          <a:bodyPr wrap="square" rtlCol="0">
+            <a:spAutoFit/>
+          </a:bodyPr>
+          <a:lstStyle/>
+          <a:p>
+            <a:pPr algn="ctr"/>
+            <a:r>
+              <a:rPr lang="en-US" dirty="0" smtClean="0"/>
+              <a:t>NOT INTENDED FOR PUBLIC RELEASE</a:t>
+            </a:r>
+            <a:endParaRPr lang="en-US" dirty="0"/>
           </a:p>
         </p:txBody>
       </p:sp>
@@ -2226,7 +2522,7 @@
           <a:p>
             <a:fld id="{45A16EE6-7E6A-4542-B9E8-1CC72818C7AE}" type="datetimeFigureOut">
               <a:rPr lang="en-US" smtClean="0"/>
-              <a:t>5/5/2021</a:t>
+              <a:t>5/6/2021</a:t>
             </a:fld>
             <a:endParaRPr lang="en-US"/>
           </a:p>
@@ -2458,7 +2754,7 @@
           <a:p>
             <a:fld id="{45A16EE6-7E6A-4542-B9E8-1CC72818C7AE}" type="datetimeFigureOut">
               <a:rPr lang="en-US" smtClean="0"/>
-              <a:t>5/5/2021</a:t>
+              <a:t>5/6/2021</a:t>
             </a:fld>
             <a:endParaRPr lang="en-US"/>
           </a:p>
@@ -2825,7 +3121,7 @@
           <a:p>
             <a:fld id="{45A16EE6-7E6A-4542-B9E8-1CC72818C7AE}" type="datetimeFigureOut">
               <a:rPr lang="en-US" smtClean="0"/>
-              <a:t>5/5/2021</a:t>
+              <a:t>5/6/2021</a:t>
             </a:fld>
             <a:endParaRPr lang="en-US"/>
           </a:p>
@@ -2943,7 +3239,7 @@
           <a:p>
             <a:fld id="{45A16EE6-7E6A-4542-B9E8-1CC72818C7AE}" type="datetimeFigureOut">
               <a:rPr lang="en-US" smtClean="0"/>
-              <a:t>5/5/2021</a:t>
+              <a:t>5/6/2021</a:t>
             </a:fld>
             <a:endParaRPr lang="en-US"/>
           </a:p>
@@ -3038,7 +3334,7 @@
           <a:p>
             <a:fld id="{45A16EE6-7E6A-4542-B9E8-1CC72818C7AE}" type="datetimeFigureOut">
               <a:rPr lang="en-US" smtClean="0"/>
-              <a:t>5/5/2021</a:t>
+              <a:t>5/6/2021</a:t>
             </a:fld>
             <a:endParaRPr lang="en-US"/>
           </a:p>
@@ -3315,7 +3611,7 @@
           <a:p>
             <a:fld id="{45A16EE6-7E6A-4542-B9E8-1CC72818C7AE}" type="datetimeFigureOut">
               <a:rPr lang="en-US" smtClean="0"/>
-              <a:t>5/5/2021</a:t>
+              <a:t>5/6/2021</a:t>
             </a:fld>
             <a:endParaRPr lang="en-US"/>
           </a:p>
@@ -3568,7 +3864,7 @@
           <a:p>
             <a:fld id="{45A16EE6-7E6A-4542-B9E8-1CC72818C7AE}" type="datetimeFigureOut">
               <a:rPr lang="en-US" smtClean="0"/>
-              <a:t>5/5/2021</a:t>
+              <a:t>5/6/2021</a:t>
             </a:fld>
             <a:endParaRPr lang="en-US"/>
           </a:p>
@@ -3781,7 +4077,7 @@
           <a:p>
             <a:fld id="{45A16EE6-7E6A-4542-B9E8-1CC72818C7AE}" type="datetimeFigureOut">
               <a:rPr lang="en-US" smtClean="0"/>
-              <a:t>5/5/2021</a:t>
+              <a:t>5/6/2021</a:t>
             </a:fld>
             <a:endParaRPr lang="en-US"/>
           </a:p>
@@ -4208,15 +4504,7 @@
           <a:p>
             <a:r>
               <a:rPr lang="en-US" dirty="0" smtClean="0"/>
-              <a:t>A </a:t>
-            </a:r>
-            <a:r>
-              <a:rPr lang="en-US" dirty="0" smtClean="0"/>
-              <a:t>balanced </a:t>
-            </a:r>
-            <a:r>
-              <a:rPr lang="en-US" dirty="0" smtClean="0"/>
-              <a:t>approach to testing</a:t>
+              <a:t>A balanced approach to testing</a:t>
             </a:r>
             <a:endParaRPr lang="en-US" dirty="0"/>
           </a:p>
@@ -4296,38 +4584,162 @@
       </p:grpSpPr>
       <p:sp>
         <p:nvSpPr>
-          <p:cNvPr id="2" name="TextBox 1"/>
-          <p:cNvSpPr txBox="1"/>
-          <p:nvPr/>
+          <p:cNvPr id="2" name="Title 1"/>
+          <p:cNvSpPr>
+            <a:spLocks noGrp="1"/>
+          </p:cNvSpPr>
+          <p:nvPr>
+            <p:ph type="title"/>
+          </p:nvPr>
+        </p:nvSpPr>
+        <p:spPr/>
+        <p:txBody>
+          <a:bodyPr/>
+          <a:lstStyle/>
+          <a:p>
+            <a:r>
+              <a:rPr lang="en-US" dirty="0" smtClean="0"/>
+              <a:t>Test coverage</a:t>
+            </a:r>
+            <a:endParaRPr lang="en-US" dirty="0"/>
+          </a:p>
+        </p:txBody>
+      </p:sp>
+      <p:sp>
+        <p:nvSpPr>
+          <p:cNvPr id="3" name="Content Placeholder 2"/>
+          <p:cNvSpPr>
+            <a:spLocks noGrp="1"/>
+          </p:cNvSpPr>
+          <p:nvPr>
+            <p:ph idx="1"/>
+          </p:nvPr>
         </p:nvSpPr>
         <p:spPr>
           <a:xfrm>
-            <a:off x="5655733" y="2935111"/>
-            <a:ext cx="1580445" cy="769441"/>
+            <a:off x="838200" y="1825624"/>
+            <a:ext cx="10515600" cy="4575175"/>
           </a:xfrm>
-          <a:prstGeom prst="rect">
-            <a:avLst/>
-          </a:prstGeom>
-          <a:noFill/>
         </p:spPr>
         <p:txBody>
-          <a:bodyPr wrap="square" rtlCol="0">
-            <a:spAutoFit/>
+          <a:bodyPr>
+            <a:normAutofit lnSpcReduction="10000"/>
           </a:bodyPr>
           <a:lstStyle/>
           <a:p>
             <a:r>
-              <a:rPr lang="en-US" sz="4400" dirty="0" smtClean="0"/>
-              <a:t>END</a:t>
-            </a:r>
-            <a:endParaRPr lang="en-US" sz="4400" dirty="0"/>
+              <a:rPr lang="en-US" baseline="0" dirty="0" smtClean="0"/>
+              <a:t>Test coverage needs focus</a:t>
+            </a:r>
+          </a:p>
+          <a:p>
+            <a:pPr lvl="1"/>
+            <a:r>
+              <a:rPr lang="en-US" dirty="0"/>
+              <a:t>JEL will communicate </a:t>
+            </a:r>
+            <a:r>
+              <a:rPr lang="en-US" dirty="0">
+                <a:hlinkClick r:id="rId3" action="ppaction://hlinksldjump"/>
+              </a:rPr>
+              <a:t>test coverage</a:t>
+            </a:r>
+            <a:r>
+              <a:rPr lang="en-US" dirty="0"/>
+              <a:t> as primary metric in all test reports. Methods of reporting will look slightly different for each test level, and so would require some collaboration.</a:t>
+            </a:r>
+          </a:p>
+          <a:p>
+            <a:pPr lvl="1"/>
+            <a:r>
+              <a:rPr lang="en-US" baseline="0" dirty="0" smtClean="0"/>
+              <a:t>Capability team should communicate </a:t>
+            </a:r>
+            <a:r>
+              <a:rPr lang="en-US" baseline="0" dirty="0" smtClean="0">
+                <a:hlinkClick r:id="rId4" action="ppaction://hlinksldjump"/>
+              </a:rPr>
+              <a:t>desired strength of test coverage</a:t>
+            </a:r>
+            <a:r>
+              <a:rPr lang="en-US" baseline="0" dirty="0" smtClean="0"/>
+              <a:t> and testing priorities for each feature.</a:t>
+            </a:r>
+            <a:r>
+              <a:rPr lang="en-US" dirty="0" smtClean="0"/>
+              <a:t> </a:t>
+            </a:r>
+            <a:r>
+              <a:rPr lang="en-US" b="1" baseline="0" dirty="0" smtClean="0"/>
+              <a:t>Common </a:t>
+            </a:r>
+            <a:r>
+              <a:rPr lang="en-US" b="1" dirty="0" smtClean="0"/>
+              <a:t>use cases for </a:t>
+            </a:r>
+            <a:r>
+              <a:rPr lang="en-US" b="1" dirty="0"/>
+              <a:t>methodology </a:t>
+            </a:r>
+            <a:r>
+              <a:rPr lang="en-US" b="1" dirty="0" smtClean="0"/>
+              <a:t>should have more emphasis than uncommon ones</a:t>
+            </a:r>
+            <a:r>
+              <a:rPr lang="en-US" b="1" baseline="0" dirty="0" smtClean="0"/>
+              <a:t>.</a:t>
+            </a:r>
+            <a:r>
+              <a:rPr lang="en-US" baseline="0" dirty="0" smtClean="0"/>
+              <a:t> </a:t>
+            </a:r>
+          </a:p>
+          <a:p>
+            <a:pPr lvl="1"/>
+            <a:endParaRPr lang="en-US" baseline="0" dirty="0" smtClean="0"/>
+          </a:p>
+          <a:p>
+            <a:r>
+              <a:rPr lang="en-US" dirty="0" smtClean="0"/>
+              <a:t>Examining test coverage with current </a:t>
+            </a:r>
+            <a:r>
+              <a:rPr lang="en-US" dirty="0" err="1" smtClean="0"/>
+              <a:t>WinBlast</a:t>
+            </a:r>
+            <a:r>
+              <a:rPr lang="en-US" dirty="0" smtClean="0"/>
+              <a:t> configuration</a:t>
+            </a:r>
+          </a:p>
+          <a:p>
+            <a:pPr lvl="1"/>
+            <a:r>
+              <a:rPr lang="en-US" dirty="0" smtClean="0"/>
+              <a:t>Although we can report the </a:t>
+            </a:r>
+            <a:r>
+              <a:rPr lang="en-US" dirty="0" err="1" smtClean="0"/>
+              <a:t>WinBlast</a:t>
+            </a:r>
+            <a:r>
+              <a:rPr lang="en-US" dirty="0" smtClean="0"/>
+              <a:t> plugin test coverage since we have the source code, many of the underlying libraries are in binary form only.</a:t>
+            </a:r>
+          </a:p>
+          <a:p>
+            <a:pPr lvl="1"/>
+            <a:r>
+              <a:rPr lang="en-US" dirty="0" smtClean="0"/>
+              <a:t>Can we also get test coverage reports from the dependent modules?</a:t>
+            </a:r>
           </a:p>
         </p:txBody>
       </p:sp>
     </p:spTree>
     <p:extLst>
       <p:ext uri="{BB962C8B-B14F-4D97-AF65-F5344CB8AC3E}">
-        <p14:creationId xmlns:p14="http://schemas.microsoft.com/office/powerpoint/2010/main" val="3667246382"/>
+        <p14:creationId xmlns:p14="http://schemas.microsoft.com/office/powerpoint/2010/main" val="927310514"/>
       </p:ext>
     </p:extLst>
   </p:cSld>
@@ -4371,6 +4783,463 @@
             <p:ph type="title"/>
           </p:nvPr>
         </p:nvSpPr>
+        <p:spPr>
+          <a:xfrm>
+            <a:off x="838200" y="177773"/>
+            <a:ext cx="10515600" cy="1325563"/>
+          </a:xfrm>
+        </p:spPr>
+        <p:txBody>
+          <a:bodyPr/>
+          <a:lstStyle/>
+          <a:p>
+            <a:r>
+              <a:rPr lang="en-US" dirty="0" smtClean="0"/>
+              <a:t>Conclusion</a:t>
+            </a:r>
+            <a:endParaRPr lang="en-US" dirty="0"/>
+          </a:p>
+        </p:txBody>
+      </p:sp>
+      <p:sp>
+        <p:nvSpPr>
+          <p:cNvPr id="3" name="Content Placeholder 2"/>
+          <p:cNvSpPr>
+            <a:spLocks noGrp="1"/>
+          </p:cNvSpPr>
+          <p:nvPr>
+            <p:ph idx="1"/>
+          </p:nvPr>
+        </p:nvSpPr>
+        <p:spPr>
+          <a:xfrm>
+            <a:off x="838200" y="1503336"/>
+            <a:ext cx="10515600" cy="4673627"/>
+          </a:xfrm>
+        </p:spPr>
+        <p:txBody>
+          <a:bodyPr>
+            <a:normAutofit fontScale="92500" lnSpcReduction="10000"/>
+          </a:bodyPr>
+          <a:lstStyle/>
+          <a:p>
+            <a:r>
+              <a:rPr lang="en-US" dirty="0" smtClean="0"/>
+              <a:t>Capability team needs to focus on </a:t>
+            </a:r>
+          </a:p>
+          <a:p>
+            <a:pPr lvl="1"/>
+            <a:r>
+              <a:rPr lang="en-US" dirty="0" smtClean="0"/>
+              <a:t>Evidence of proper design and testing of all modules, if possible.</a:t>
+            </a:r>
+          </a:p>
+          <a:p>
+            <a:pPr lvl="1"/>
+            <a:r>
+              <a:rPr lang="en-US" dirty="0" smtClean="0"/>
+              <a:t>Test case design at each design iteration, in conjunction with </a:t>
+            </a:r>
+            <a:r>
+              <a:rPr lang="en-US" dirty="0" err="1" smtClean="0"/>
+              <a:t>WinBlast</a:t>
+            </a:r>
+            <a:r>
+              <a:rPr lang="en-US" dirty="0" smtClean="0"/>
+              <a:t> developers and JEL team.</a:t>
+            </a:r>
+          </a:p>
+          <a:p>
+            <a:pPr lvl="1"/>
+            <a:endParaRPr lang="en-US" dirty="0"/>
+          </a:p>
+          <a:p>
+            <a:r>
+              <a:rPr lang="en-US" dirty="0" smtClean="0"/>
+              <a:t>We want to concentrate on including missed tests or </a:t>
+            </a:r>
+            <a:r>
+              <a:rPr lang="en-US" dirty="0"/>
+              <a:t>eliminating redundant </a:t>
+            </a:r>
+            <a:r>
+              <a:rPr lang="en-US" dirty="0" smtClean="0"/>
+              <a:t>cases at each layer to achieve a balanced testing approach.</a:t>
+            </a:r>
+          </a:p>
+          <a:p>
+            <a:pPr lvl="1"/>
+            <a:r>
+              <a:rPr lang="en-US" baseline="0" dirty="0" smtClean="0"/>
+              <a:t>Unit</a:t>
+            </a:r>
+          </a:p>
+          <a:p>
+            <a:pPr lvl="1"/>
+            <a:r>
+              <a:rPr lang="en-US" dirty="0" smtClean="0"/>
+              <a:t>Integration</a:t>
+            </a:r>
+          </a:p>
+          <a:p>
+            <a:pPr lvl="1"/>
+            <a:r>
+              <a:rPr lang="en-US" dirty="0" smtClean="0"/>
+              <a:t>System </a:t>
+            </a:r>
+          </a:p>
+          <a:p>
+            <a:pPr lvl="1"/>
+            <a:endParaRPr lang="en-US" baseline="0" dirty="0" smtClean="0"/>
+          </a:p>
+          <a:p>
+            <a:pPr lvl="0">
+              <a:defRPr/>
+            </a:pPr>
+            <a:r>
+              <a:rPr lang="en-US" i="1" dirty="0" smtClean="0"/>
+              <a:t>Good team decisions on the number of boundary or partition test cases </a:t>
+            </a:r>
+            <a:r>
+              <a:rPr lang="en-US" dirty="0" smtClean="0"/>
+              <a:t>and </a:t>
+            </a:r>
+            <a:r>
+              <a:rPr lang="en-US" i="1" dirty="0" smtClean="0"/>
+              <a:t>measuring code coverage </a:t>
+            </a:r>
+            <a:r>
+              <a:rPr lang="en-US" dirty="0" smtClean="0"/>
+              <a:t>will help improve our priorities and progress.</a:t>
+            </a:r>
+            <a:endParaRPr lang="en-US" dirty="0"/>
+          </a:p>
+          <a:p>
+            <a:endParaRPr lang="en-US" dirty="0"/>
+          </a:p>
+        </p:txBody>
+      </p:sp>
+    </p:spTree>
+    <p:extLst>
+      <p:ext uri="{BB962C8B-B14F-4D97-AF65-F5344CB8AC3E}">
+        <p14:creationId xmlns:p14="http://schemas.microsoft.com/office/powerpoint/2010/main" val="4270967335"/>
+      </p:ext>
+    </p:extLst>
+  </p:cSld>
+  <p:clrMapOvr>
+    <a:masterClrMapping/>
+  </p:clrMapOvr>
+  <p:timing>
+    <p:tnLst>
+      <p:par>
+        <p:cTn id="1" dur="indefinite" restart="never" nodeType="tmRoot"/>
+      </p:par>
+    </p:tnLst>
+  </p:timing>
+</p:sld>
+</file>
+
+<file path=ppt/slides/slide12.xml><?xml version="1.0" encoding="utf-8"?>
+<p:sld xmlns:a="http://schemas.openxmlformats.org/drawingml/2006/main" xmlns:r="http://schemas.openxmlformats.org/officeDocument/2006/relationships" xmlns:p="http://schemas.openxmlformats.org/presentationml/2006/main">
+  <p:cSld>
+    <p:spTree>
+      <p:nvGrpSpPr>
+        <p:cNvPr id="1" name=""/>
+        <p:cNvGrpSpPr/>
+        <p:nvPr/>
+      </p:nvGrpSpPr>
+      <p:grpSpPr>
+        <a:xfrm>
+          <a:off x="0" y="0"/>
+          <a:ext cx="0" cy="0"/>
+          <a:chOff x="0" y="0"/>
+          <a:chExt cx="0" cy="0"/>
+        </a:xfrm>
+      </p:grpSpPr>
+      <p:sp>
+        <p:nvSpPr>
+          <p:cNvPr id="2" name="Title 1"/>
+          <p:cNvSpPr>
+            <a:spLocks noGrp="1"/>
+          </p:cNvSpPr>
+          <p:nvPr>
+            <p:ph type="title"/>
+          </p:nvPr>
+        </p:nvSpPr>
+        <p:spPr>
+          <a:xfrm>
+            <a:off x="838200" y="177773"/>
+            <a:ext cx="10515600" cy="1325563"/>
+          </a:xfrm>
+        </p:spPr>
+        <p:txBody>
+          <a:bodyPr/>
+          <a:lstStyle/>
+          <a:p>
+            <a:r>
+              <a:rPr lang="en-US" dirty="0" smtClean="0"/>
+              <a:t>To-do list for Cap Team</a:t>
+            </a:r>
+            <a:endParaRPr lang="en-US" dirty="0"/>
+          </a:p>
+        </p:txBody>
+      </p:sp>
+      <p:sp>
+        <p:nvSpPr>
+          <p:cNvPr id="3" name="Content Placeholder 2"/>
+          <p:cNvSpPr>
+            <a:spLocks noGrp="1"/>
+          </p:cNvSpPr>
+          <p:nvPr>
+            <p:ph idx="1"/>
+          </p:nvPr>
+        </p:nvSpPr>
+        <p:spPr>
+          <a:xfrm>
+            <a:off x="838200" y="1503336"/>
+            <a:ext cx="10515600" cy="4673627"/>
+          </a:xfrm>
+        </p:spPr>
+        <p:txBody>
+          <a:bodyPr>
+            <a:normAutofit/>
+          </a:bodyPr>
+          <a:lstStyle/>
+          <a:p>
+            <a:pPr marL="514350" indent="-514350">
+              <a:buFont typeface="+mj-lt"/>
+              <a:buAutoNum type="arabicPeriod"/>
+            </a:pPr>
+            <a:r>
+              <a:rPr lang="en-US" b="1" dirty="0" smtClean="0"/>
+              <a:t>Create </a:t>
+            </a:r>
+            <a:r>
+              <a:rPr lang="en-US" b="1" dirty="0" err="1" smtClean="0"/>
+              <a:t>WinBlast</a:t>
+            </a:r>
+            <a:r>
+              <a:rPr lang="en-US" b="1" dirty="0" smtClean="0"/>
+              <a:t>-EF error handling strategy</a:t>
+            </a:r>
+          </a:p>
+          <a:p>
+            <a:pPr lvl="1"/>
+            <a:r>
+              <a:rPr lang="en-US" dirty="0" smtClean="0"/>
+              <a:t>If correct error handling is not possible in the </a:t>
+            </a:r>
+            <a:r>
+              <a:rPr lang="en-US" dirty="0" err="1" smtClean="0"/>
+              <a:t>WinBlast</a:t>
+            </a:r>
+            <a:r>
+              <a:rPr lang="en-US" dirty="0" smtClean="0"/>
+              <a:t> EF plugin alone, then we may need to propagate the same strategy to </a:t>
+            </a:r>
+            <a:r>
+              <a:rPr lang="en-US" dirty="0" err="1" smtClean="0"/>
+              <a:t>WinBlast</a:t>
+            </a:r>
+            <a:r>
+              <a:rPr lang="en-US" dirty="0" smtClean="0"/>
+              <a:t> itself</a:t>
+            </a:r>
+          </a:p>
+          <a:p>
+            <a:pPr marL="457200" lvl="1" indent="0">
+              <a:buNone/>
+            </a:pPr>
+            <a:endParaRPr lang="en-US" dirty="0"/>
+          </a:p>
+          <a:p>
+            <a:pPr marL="457200" indent="-457200">
+              <a:buFont typeface="+mj-lt"/>
+              <a:buAutoNum type="arabicPeriod"/>
+            </a:pPr>
+            <a:r>
+              <a:rPr lang="en-US" b="1" baseline="0" dirty="0" smtClean="0"/>
+              <a:t>Set a goal for test coverage percentage</a:t>
+            </a:r>
+          </a:p>
+          <a:p>
+            <a:pPr lvl="1"/>
+            <a:r>
+              <a:rPr lang="en-US" dirty="0" smtClean="0"/>
+              <a:t>For large projects, 50-60% coverage is reasonable</a:t>
+            </a:r>
+          </a:p>
+          <a:p>
+            <a:pPr lvl="1"/>
+            <a:r>
+              <a:rPr lang="en-US" dirty="0" smtClean="0"/>
+              <a:t>Our goal can evolve as testing proceeds</a:t>
+            </a:r>
+          </a:p>
+          <a:p>
+            <a:pPr lvl="1"/>
+            <a:endParaRPr lang="en-US" baseline="0" dirty="0"/>
+          </a:p>
+          <a:p>
+            <a:pPr marL="514350" indent="-514350">
+              <a:buFont typeface="+mj-lt"/>
+              <a:buAutoNum type="arabicPeriod"/>
+            </a:pPr>
+            <a:r>
+              <a:rPr lang="en-US" b="1" dirty="0" smtClean="0"/>
+              <a:t>Design integration test suite</a:t>
+            </a:r>
+          </a:p>
+          <a:p>
+            <a:pPr lvl="1"/>
+            <a:r>
+              <a:rPr lang="en-US" dirty="0" smtClean="0"/>
+              <a:t>Good validation </a:t>
+            </a:r>
+            <a:r>
+              <a:rPr lang="en-US" dirty="0"/>
+              <a:t>test design requires </a:t>
+            </a:r>
+            <a:r>
+              <a:rPr lang="en-US" dirty="0" smtClean="0"/>
+              <a:t>SMEs to define realistic input scenarios</a:t>
+            </a:r>
+            <a:endParaRPr lang="en-US" dirty="0"/>
+          </a:p>
+          <a:p>
+            <a:pPr lvl="1"/>
+            <a:r>
+              <a:rPr lang="en-US" dirty="0" smtClean="0"/>
+              <a:t>Prioritize important JWS use cases that will feed into their system tests</a:t>
+            </a:r>
+          </a:p>
+          <a:p>
+            <a:pPr marL="514350" indent="-514350">
+              <a:buFont typeface="+mj-lt"/>
+              <a:buAutoNum type="arabicPeriod"/>
+            </a:pPr>
+            <a:endParaRPr lang="en-US" b="1" dirty="0"/>
+          </a:p>
+          <a:p>
+            <a:endParaRPr lang="en-US" dirty="0"/>
+          </a:p>
+        </p:txBody>
+      </p:sp>
+    </p:spTree>
+    <p:extLst>
+      <p:ext uri="{BB962C8B-B14F-4D97-AF65-F5344CB8AC3E}">
+        <p14:creationId xmlns:p14="http://schemas.microsoft.com/office/powerpoint/2010/main" val="2347105691"/>
+      </p:ext>
+    </p:extLst>
+  </p:cSld>
+  <p:clrMapOvr>
+    <a:masterClrMapping/>
+  </p:clrMapOvr>
+  <p:timing>
+    <p:tnLst>
+      <p:par>
+        <p:cTn id="1" dur="indefinite" restart="never" nodeType="tmRoot"/>
+      </p:par>
+    </p:tnLst>
+  </p:timing>
+</p:sld>
+</file>
+
+<file path=ppt/slides/slide13.xml><?xml version="1.0" encoding="utf-8"?>
+<p:sld xmlns:a="http://schemas.openxmlformats.org/drawingml/2006/main" xmlns:r="http://schemas.openxmlformats.org/officeDocument/2006/relationships" xmlns:p="http://schemas.openxmlformats.org/presentationml/2006/main">
+  <p:cSld>
+    <p:spTree>
+      <p:nvGrpSpPr>
+        <p:cNvPr id="1" name=""/>
+        <p:cNvGrpSpPr/>
+        <p:nvPr/>
+      </p:nvGrpSpPr>
+      <p:grpSpPr>
+        <a:xfrm>
+          <a:off x="0" y="0"/>
+          <a:ext cx="0" cy="0"/>
+          <a:chOff x="0" y="0"/>
+          <a:chExt cx="0" cy="0"/>
+        </a:xfrm>
+      </p:grpSpPr>
+      <p:sp>
+        <p:nvSpPr>
+          <p:cNvPr id="2" name="TextBox 1"/>
+          <p:cNvSpPr txBox="1"/>
+          <p:nvPr/>
+        </p:nvSpPr>
+        <p:spPr>
+          <a:xfrm>
+            <a:off x="5655733" y="2935111"/>
+            <a:ext cx="1580445" cy="769441"/>
+          </a:xfrm>
+          <a:prstGeom prst="rect">
+            <a:avLst/>
+          </a:prstGeom>
+          <a:noFill/>
+        </p:spPr>
+        <p:txBody>
+          <a:bodyPr wrap="square" rtlCol="0">
+            <a:spAutoFit/>
+          </a:bodyPr>
+          <a:lstStyle/>
+          <a:p>
+            <a:r>
+              <a:rPr lang="en-US" sz="4400" dirty="0" smtClean="0"/>
+              <a:t>END</a:t>
+            </a:r>
+            <a:endParaRPr lang="en-US" sz="4400" dirty="0"/>
+          </a:p>
+        </p:txBody>
+      </p:sp>
+    </p:spTree>
+    <p:extLst>
+      <p:ext uri="{BB962C8B-B14F-4D97-AF65-F5344CB8AC3E}">
+        <p14:creationId xmlns:p14="http://schemas.microsoft.com/office/powerpoint/2010/main" val="3667246382"/>
+      </p:ext>
+    </p:extLst>
+  </p:cSld>
+  <p:clrMapOvr>
+    <a:masterClrMapping/>
+  </p:clrMapOvr>
+  <p:timing>
+    <p:tnLst>
+      <p:par>
+        <p:cTn id="1" dur="indefinite" restart="never" nodeType="tmRoot"/>
+      </p:par>
+    </p:tnLst>
+  </p:timing>
+</p:sld>
+</file>
+
+<file path=ppt/slides/slide14.xml><?xml version="1.0" encoding="utf-8"?>
+<p:sld xmlns:a="http://schemas.openxmlformats.org/drawingml/2006/main" xmlns:r="http://schemas.openxmlformats.org/officeDocument/2006/relationships" xmlns:p="http://schemas.openxmlformats.org/presentationml/2006/main">
+  <p:cSld>
+    <p:spTree>
+      <p:nvGrpSpPr>
+        <p:cNvPr id="1" name=""/>
+        <p:cNvGrpSpPr/>
+        <p:nvPr/>
+      </p:nvGrpSpPr>
+      <p:grpSpPr>
+        <a:xfrm>
+          <a:off x="0" y="0"/>
+          <a:ext cx="0" cy="0"/>
+          <a:chOff x="0" y="0"/>
+          <a:chExt cx="0" cy="0"/>
+        </a:xfrm>
+      </p:grpSpPr>
+      <p:sp>
+        <p:nvSpPr>
+          <p:cNvPr id="2" name="Title 1"/>
+          <p:cNvSpPr>
+            <a:spLocks noGrp="1"/>
+          </p:cNvSpPr>
+          <p:nvPr>
+            <p:ph type="title"/>
+          </p:nvPr>
+        </p:nvSpPr>
         <p:spPr/>
         <p:txBody>
           <a:bodyPr/>
@@ -4603,7 +5472,7 @@
 </p:sld>
 </file>
 
-<file path=ppt/slides/slide12.xml><?xml version="1.0" encoding="utf-8"?>
+<file path=ppt/slides/slide15.xml><?xml version="1.0" encoding="utf-8"?>
 <p:sld xmlns:a="http://schemas.openxmlformats.org/drawingml/2006/main" xmlns:r="http://schemas.openxmlformats.org/officeDocument/2006/relationships" xmlns:p="http://schemas.openxmlformats.org/presentationml/2006/main">
   <p:cSld>
     <p:spTree>
@@ -5919,7 +6788,7 @@
 </p:sld>
 </file>
 
-<file path=ppt/slides/slide13.xml><?xml version="1.0" encoding="utf-8"?>
+<file path=ppt/slides/slide16.xml><?xml version="1.0" encoding="utf-8"?>
 <p:sld xmlns:a="http://schemas.openxmlformats.org/drawingml/2006/main" xmlns:r="http://schemas.openxmlformats.org/officeDocument/2006/relationships" xmlns:p="http://schemas.openxmlformats.org/presentationml/2006/main">
   <p:cSld>
     <p:spTree>
@@ -5988,15 +6857,7 @@
           <a:p>
             <a:r>
               <a:rPr lang="en-US" sz="2800" u="sng" dirty="0" smtClean="0"/>
-              <a:t>What’s </a:t>
-            </a:r>
-            <a:r>
-              <a:rPr lang="en-US" sz="2800" u="sng" dirty="0" smtClean="0"/>
-              <a:t>test </a:t>
-            </a:r>
-            <a:r>
-              <a:rPr lang="en-US" sz="2800" u="sng" dirty="0" smtClean="0"/>
-              <a:t>coverage?</a:t>
+              <a:t>What’s test coverage?</a:t>
             </a:r>
             <a:endParaRPr lang="en-US" sz="2800" u="sng" dirty="0"/>
           </a:p>
@@ -6075,15 +6936,7 @@
             </a:pPr>
             <a:r>
               <a:rPr lang="en-US" dirty="0" smtClean="0"/>
-              <a:t>100% </a:t>
-            </a:r>
-            <a:r>
-              <a:rPr lang="en-US" dirty="0" smtClean="0"/>
-              <a:t>test </a:t>
-            </a:r>
-            <a:r>
-              <a:rPr lang="en-US" dirty="0" smtClean="0"/>
-              <a:t>coverage is ideal but often unachievable due to resource limitations. </a:t>
+              <a:t>100% test coverage is ideal but often unachievable due to resource limitations. </a:t>
             </a:r>
           </a:p>
           <a:p>
@@ -6201,7 +7054,7 @@
 </p:sld>
 </file>
 
-<file path=ppt/slides/slide14.xml><?xml version="1.0" encoding="utf-8"?>
+<file path=ppt/slides/slide17.xml><?xml version="1.0" encoding="utf-8"?>
 <p:sld xmlns:a="http://schemas.openxmlformats.org/drawingml/2006/main" xmlns:r="http://schemas.openxmlformats.org/officeDocument/2006/relationships" xmlns:p="http://schemas.openxmlformats.org/presentationml/2006/main">
   <p:cSld>
     <p:spTree>
@@ -6506,7 +7359,7 @@
 </p:sld>
 </file>
 
-<file path=ppt/slides/slide15.xml><?xml version="1.0" encoding="utf-8"?>
+<file path=ppt/slides/slide18.xml><?xml version="1.0" encoding="utf-8"?>
 <p:sld xmlns:a="http://schemas.openxmlformats.org/drawingml/2006/main" xmlns:r="http://schemas.openxmlformats.org/officeDocument/2006/relationships" xmlns:p="http://schemas.openxmlformats.org/presentationml/2006/main">
   <p:cSld>
     <p:spTree>
@@ -7124,7 +7977,7 @@
 </p:sld>
 </file>
 
-<file path=ppt/slides/slide16.xml><?xml version="1.0" encoding="utf-8"?>
+<file path=ppt/slides/slide19.xml><?xml version="1.0" encoding="utf-8"?>
 <p:sld xmlns:a="http://schemas.openxmlformats.org/drawingml/2006/main" xmlns:r="http://schemas.openxmlformats.org/officeDocument/2006/relationships" xmlns:p="http://schemas.openxmlformats.org/presentationml/2006/main">
   <p:cSld>
     <p:spTree>
@@ -7287,7 +8140,744 @@
 </p:sld>
 </file>
 
-<file path=ppt/slides/slide17.xml><?xml version="1.0" encoding="utf-8"?>
+<file path=ppt/slides/slide2.xml><?xml version="1.0" encoding="utf-8"?>
+<p:sld xmlns:a="http://schemas.openxmlformats.org/drawingml/2006/main" xmlns:r="http://schemas.openxmlformats.org/officeDocument/2006/relationships" xmlns:p="http://schemas.openxmlformats.org/presentationml/2006/main">
+  <p:cSld>
+    <p:spTree>
+      <p:nvGrpSpPr>
+        <p:cNvPr id="1" name=""/>
+        <p:cNvGrpSpPr/>
+        <p:nvPr/>
+      </p:nvGrpSpPr>
+      <p:grpSpPr>
+        <a:xfrm>
+          <a:off x="0" y="0"/>
+          <a:ext cx="0" cy="0"/>
+          <a:chOff x="0" y="0"/>
+          <a:chExt cx="0" cy="0"/>
+        </a:xfrm>
+      </p:grpSpPr>
+      <p:sp>
+        <p:nvSpPr>
+          <p:cNvPr id="4" name="Shape 706"/>
+          <p:cNvSpPr txBox="1">
+            <a:spLocks noGrp="1"/>
+          </p:cNvSpPr>
+          <p:nvPr>
+            <p:ph type="body" idx="1"/>
+          </p:nvPr>
+        </p:nvSpPr>
+        <p:spPr>
+          <a:xfrm>
+            <a:off x="1708935" y="3227294"/>
+            <a:ext cx="4091230" cy="3162748"/>
+          </a:xfrm>
+          <a:solidFill>
+            <a:schemeClr val="accent1">
+              <a:lumMod val="50000"/>
+            </a:schemeClr>
+          </a:solidFill>
+        </p:spPr>
+        <p:txBody>
+          <a:bodyPr>
+            <a:normAutofit/>
+          </a:bodyPr>
+          <a:lstStyle/>
+          <a:p>
+            <a:pPr marL="215249" indent="-215249" defTabSz="832104">
+              <a:spcBef>
+                <a:spcPts val="1500"/>
+              </a:spcBef>
+              <a:buFont typeface="Arial"/>
+              <a:buChar char="•"/>
+            </a:pPr>
+            <a:r>
+              <a:rPr lang="en-US" sz="2400" b="1" dirty="0">
+                <a:solidFill>
+                  <a:schemeClr val="bg1"/>
+                </a:solidFill>
+              </a:rPr>
+              <a:t>Layered testing</a:t>
+            </a:r>
+            <a:r>
+              <a:rPr lang="en-US" sz="2400" b="1" strike="sngStrike" dirty="0">
+                <a:solidFill>
+                  <a:schemeClr val="bg1"/>
+                </a:solidFill>
+              </a:rPr>
+              <a:t> </a:t>
+            </a:r>
+          </a:p>
+          <a:p>
+            <a:pPr marL="215249" indent="-215249" defTabSz="832104">
+              <a:spcBef>
+                <a:spcPts val="1500"/>
+              </a:spcBef>
+              <a:buFont typeface="Arial"/>
+              <a:buChar char="•"/>
+            </a:pPr>
+            <a:r>
+              <a:rPr lang="en-US" sz="2400" b="1" dirty="0">
+                <a:solidFill>
+                  <a:schemeClr val="bg1"/>
+                </a:solidFill>
+              </a:rPr>
+              <a:t>Evolutionary potential </a:t>
+            </a:r>
+          </a:p>
+          <a:p>
+            <a:pPr marL="215249" indent="-215249" defTabSz="832104">
+              <a:spcBef>
+                <a:spcPts val="1500"/>
+              </a:spcBef>
+              <a:buFont typeface="Arial"/>
+              <a:buChar char="•"/>
+            </a:pPr>
+            <a:r>
+              <a:rPr lang="en-US" sz="2400" b="1" dirty="0">
+                <a:solidFill>
+                  <a:schemeClr val="bg1"/>
+                </a:solidFill>
+              </a:rPr>
+              <a:t>Rapid deployment </a:t>
+            </a:r>
+          </a:p>
+          <a:p>
+            <a:pPr marL="215249" indent="-215249" defTabSz="832104">
+              <a:spcBef>
+                <a:spcPts val="1500"/>
+              </a:spcBef>
+              <a:buFont typeface="Arial"/>
+            </a:pPr>
+            <a:r>
+              <a:rPr lang="en-US" sz="2400" b="1" dirty="0">
+                <a:solidFill>
+                  <a:schemeClr val="bg1"/>
+                </a:solidFill>
+              </a:rPr>
+              <a:t>Team agility</a:t>
+            </a:r>
+          </a:p>
+          <a:p>
+            <a:pPr marL="215249" indent="-215249" defTabSz="832104">
+              <a:spcBef>
+                <a:spcPts val="1500"/>
+              </a:spcBef>
+              <a:buFont typeface="Arial"/>
+            </a:pPr>
+            <a:r>
+              <a:rPr lang="en-US" sz="2400" b="1" dirty="0">
+                <a:solidFill>
+                  <a:schemeClr val="bg1"/>
+                </a:solidFill>
+              </a:rPr>
+              <a:t>Continuous quality</a:t>
+            </a:r>
+          </a:p>
+          <a:p>
+            <a:pPr marL="215249" indent="-215249" defTabSz="832104">
+              <a:spcBef>
+                <a:spcPts val="1500"/>
+              </a:spcBef>
+              <a:buFont typeface="Arial"/>
+            </a:pPr>
+            <a:r>
+              <a:rPr lang="en-US" sz="2400" b="1" dirty="0">
+                <a:solidFill>
+                  <a:schemeClr val="bg1"/>
+                </a:solidFill>
+              </a:rPr>
+              <a:t>Division of labor</a:t>
+            </a:r>
+          </a:p>
+          <a:p>
+            <a:pPr marL="215249" indent="-215249" defTabSz="832104">
+              <a:spcBef>
+                <a:spcPts val="1500"/>
+              </a:spcBef>
+              <a:buFont typeface="Arial"/>
+            </a:pPr>
+            <a:endParaRPr lang="en-US" sz="2000" dirty="0">
+              <a:solidFill>
+                <a:schemeClr val="bg1"/>
+              </a:solidFill>
+            </a:endParaRPr>
+          </a:p>
+          <a:p>
+            <a:pPr marL="0" indent="0" defTabSz="832104">
+              <a:spcBef>
+                <a:spcPts val="1500"/>
+              </a:spcBef>
+              <a:buNone/>
+            </a:pPr>
+            <a:endParaRPr lang="en-US" sz="2400" b="1" dirty="0">
+              <a:solidFill>
+                <a:schemeClr val="bg1"/>
+              </a:solidFill>
+            </a:endParaRPr>
+          </a:p>
+        </p:txBody>
+      </p:sp>
+      <p:sp>
+        <p:nvSpPr>
+          <p:cNvPr id="5" name="Slide Number Placeholder 4"/>
+          <p:cNvSpPr>
+            <a:spLocks noGrp="1"/>
+          </p:cNvSpPr>
+          <p:nvPr>
+            <p:ph type="sldNum" sz="quarter" idx="4294967295"/>
+          </p:nvPr>
+        </p:nvSpPr>
+        <p:spPr/>
+        <p:txBody>
+          <a:bodyPr/>
+          <a:lstStyle/>
+          <a:p>
+            <a:r>
+              <a:rPr lang="en-US" dirty="0" smtClean="0"/>
+              <a:t> </a:t>
+            </a:r>
+            <a:endParaRPr dirty="0"/>
+          </a:p>
+        </p:txBody>
+      </p:sp>
+      <p:sp>
+        <p:nvSpPr>
+          <p:cNvPr id="10" name="Shape 706"/>
+          <p:cNvSpPr txBox="1">
+            <a:spLocks/>
+          </p:cNvSpPr>
+          <p:nvPr/>
+        </p:nvSpPr>
+        <p:spPr>
+          <a:xfrm>
+            <a:off x="1688387" y="1376980"/>
+            <a:ext cx="3988066" cy="1640239"/>
+          </a:xfrm>
+          <a:prstGeom prst="rect">
+            <a:avLst/>
+          </a:prstGeom>
+          <a:solidFill>
+            <a:schemeClr val="bg1"/>
+          </a:solidFill>
+          <a:ln>
+            <a:noFill/>
+          </a:ln>
+        </p:spPr>
+        <p:txBody>
+          <a:bodyPr vert="horz" wrap="square" lIns="91440" tIns="45720" rIns="91440" bIns="45720" anchor="t" anchorCtr="0" compatLnSpc="1">
+            <a:normAutofit fontScale="92500" lnSpcReduction="20000"/>
+          </a:bodyPr>
+          <a:lstStyle>
+            <a:lvl1pPr marL="342900" marR="0" lvl="0" indent="-342900" algn="l" defTabSz="914400" rtl="0" eaLnBrk="1" fontAlgn="auto" latinLnBrk="0" hangingPunct="0">
+              <a:lnSpc>
+                <a:spcPct val="100000"/>
+              </a:lnSpc>
+              <a:spcBef>
+                <a:spcPts val="800"/>
+              </a:spcBef>
+              <a:spcAft>
+                <a:spcPts val="0"/>
+              </a:spcAft>
+              <a:buSzPct val="100000"/>
+              <a:buFont typeface="Arial" panose="020B0604020202020204" pitchFamily="34" charset="0"/>
+              <a:buChar char="•"/>
+              <a:tabLst/>
+              <a:defRPr lang="en-US" sz="3200" b="0" i="0" u="none" strike="noStrike" kern="0" cap="none" spc="0" baseline="0">
+                <a:solidFill>
+                  <a:srgbClr val="000000"/>
+                </a:solidFill>
+                <a:uFillTx/>
+                <a:latin typeface="Arial"/>
+                <a:ea typeface="MS PGothic" pitchFamily="34"/>
+                <a:cs typeface="+mn-cs"/>
+              </a:defRPr>
+            </a:lvl1pPr>
+            <a:lvl2pPr marL="742950" marR="0" lvl="1" indent="-285750" algn="l" defTabSz="914400" rtl="0" eaLnBrk="1" fontAlgn="auto" latinLnBrk="0" hangingPunct="0">
+              <a:lnSpc>
+                <a:spcPct val="100000"/>
+              </a:lnSpc>
+              <a:spcBef>
+                <a:spcPts val="700"/>
+              </a:spcBef>
+              <a:spcAft>
+                <a:spcPts val="0"/>
+              </a:spcAft>
+              <a:buSzPct val="100000"/>
+              <a:buFont typeface="Arial" panose="020B0604020202020204" pitchFamily="34" charset="0"/>
+              <a:buChar char="–"/>
+              <a:tabLst/>
+              <a:defRPr lang="en-US" sz="2800" b="0" i="0" u="none" strike="noStrike" kern="0" cap="none" spc="0" baseline="0">
+                <a:solidFill>
+                  <a:srgbClr val="000000"/>
+                </a:solidFill>
+                <a:uFillTx/>
+                <a:latin typeface="Arial"/>
+                <a:ea typeface="MS PGothic" pitchFamily="34"/>
+                <a:cs typeface="+mn-cs"/>
+              </a:defRPr>
+            </a:lvl2pPr>
+            <a:lvl3pPr marL="1143000" marR="0" lvl="2" indent="-228600" algn="l" defTabSz="914400" rtl="0" eaLnBrk="1" fontAlgn="auto" latinLnBrk="0" hangingPunct="0">
+              <a:lnSpc>
+                <a:spcPct val="100000"/>
+              </a:lnSpc>
+              <a:spcBef>
+                <a:spcPts val="600"/>
+              </a:spcBef>
+              <a:spcAft>
+                <a:spcPts val="0"/>
+              </a:spcAft>
+              <a:buSzPct val="100000"/>
+              <a:buFont typeface="Arial" panose="020B0604020202020204" pitchFamily="34" charset="0"/>
+              <a:buChar char="•"/>
+              <a:tabLst/>
+              <a:defRPr lang="en-US" sz="2400" b="0" i="0" u="none" strike="noStrike" kern="0" cap="none" spc="0" baseline="0">
+                <a:solidFill>
+                  <a:srgbClr val="000000"/>
+                </a:solidFill>
+                <a:uFillTx/>
+                <a:latin typeface="Arial"/>
+                <a:ea typeface="MS PGothic" pitchFamily="34"/>
+                <a:cs typeface="+mn-cs"/>
+              </a:defRPr>
+            </a:lvl3pPr>
+            <a:lvl4pPr marL="1600200" marR="0" lvl="3" indent="-228600" algn="l" defTabSz="914400" rtl="0" eaLnBrk="1" fontAlgn="auto" latinLnBrk="0" hangingPunct="0">
+              <a:lnSpc>
+                <a:spcPct val="100000"/>
+              </a:lnSpc>
+              <a:spcBef>
+                <a:spcPts val="500"/>
+              </a:spcBef>
+              <a:spcAft>
+                <a:spcPts val="0"/>
+              </a:spcAft>
+              <a:buSzPct val="100000"/>
+              <a:buFont typeface="Arial" panose="020B0604020202020204" pitchFamily="34" charset="0"/>
+              <a:buChar char="–"/>
+              <a:tabLst/>
+              <a:defRPr lang="en-US" sz="2000" b="0" i="0" u="none" strike="noStrike" kern="0" cap="none" spc="0" baseline="0">
+                <a:solidFill>
+                  <a:srgbClr val="000000"/>
+                </a:solidFill>
+                <a:uFillTx/>
+                <a:latin typeface="Arial"/>
+                <a:ea typeface="MS PGothic" pitchFamily="34"/>
+                <a:cs typeface="+mn-cs"/>
+              </a:defRPr>
+            </a:lvl4pPr>
+            <a:lvl5pPr marL="2057400" marR="0" lvl="4" indent="-228600" algn="l" defTabSz="914400" rtl="0" eaLnBrk="1" fontAlgn="auto" latinLnBrk="0" hangingPunct="0">
+              <a:lnSpc>
+                <a:spcPct val="100000"/>
+              </a:lnSpc>
+              <a:spcBef>
+                <a:spcPts val="500"/>
+              </a:spcBef>
+              <a:spcAft>
+                <a:spcPts val="0"/>
+              </a:spcAft>
+              <a:buSzPct val="100000"/>
+              <a:buFont typeface="Arial" panose="020B0604020202020204" pitchFamily="34" charset="0"/>
+              <a:buChar char="»"/>
+              <a:tabLst/>
+              <a:defRPr lang="en-US" sz="2000" b="0" i="0" u="none" strike="noStrike" kern="0" cap="none" spc="0" baseline="0">
+                <a:solidFill>
+                  <a:srgbClr val="000000"/>
+                </a:solidFill>
+                <a:uFillTx/>
+                <a:latin typeface="Arial"/>
+                <a:ea typeface="MS PGothic" pitchFamily="34"/>
+                <a:cs typeface="+mn-cs"/>
+              </a:defRPr>
+            </a:lvl5pPr>
+            <a:lvl6pPr marL="2514600" indent="-228600" algn="l" defTabSz="914400" rtl="0" eaLnBrk="1" latinLnBrk="0" hangingPunct="1">
+              <a:lnSpc>
+                <a:spcPct val="90000"/>
+              </a:lnSpc>
+              <a:spcBef>
+                <a:spcPts val="500"/>
+              </a:spcBef>
+              <a:buFont typeface="Arial" panose="020B0604020202020204" pitchFamily="34" charset="0"/>
+              <a:buChar char="•"/>
+              <a:defRPr sz="1800" kern="1200">
+                <a:solidFill>
+                  <a:schemeClr val="tx1"/>
+                </a:solidFill>
+                <a:latin typeface="+mn-lt"/>
+                <a:ea typeface="+mn-ea"/>
+                <a:cs typeface="+mn-cs"/>
+              </a:defRPr>
+            </a:lvl6pPr>
+            <a:lvl7pPr marL="2971800" indent="-228600" algn="l" defTabSz="914400" rtl="0" eaLnBrk="1" latinLnBrk="0" hangingPunct="1">
+              <a:lnSpc>
+                <a:spcPct val="90000"/>
+              </a:lnSpc>
+              <a:spcBef>
+                <a:spcPts val="500"/>
+              </a:spcBef>
+              <a:buFont typeface="Arial" panose="020B0604020202020204" pitchFamily="34" charset="0"/>
+              <a:buChar char="•"/>
+              <a:defRPr sz="1800" kern="1200">
+                <a:solidFill>
+                  <a:schemeClr val="tx1"/>
+                </a:solidFill>
+                <a:latin typeface="+mn-lt"/>
+                <a:ea typeface="+mn-ea"/>
+                <a:cs typeface="+mn-cs"/>
+              </a:defRPr>
+            </a:lvl7pPr>
+            <a:lvl8pPr marL="3429000" indent="-228600" algn="l" defTabSz="914400" rtl="0" eaLnBrk="1" latinLnBrk="0" hangingPunct="1">
+              <a:lnSpc>
+                <a:spcPct val="90000"/>
+              </a:lnSpc>
+              <a:spcBef>
+                <a:spcPts val="500"/>
+              </a:spcBef>
+              <a:buFont typeface="Arial" panose="020B0604020202020204" pitchFamily="34" charset="0"/>
+              <a:buChar char="•"/>
+              <a:defRPr sz="1800" kern="1200">
+                <a:solidFill>
+                  <a:schemeClr val="tx1"/>
+                </a:solidFill>
+                <a:latin typeface="+mn-lt"/>
+                <a:ea typeface="+mn-ea"/>
+                <a:cs typeface="+mn-cs"/>
+              </a:defRPr>
+            </a:lvl8pPr>
+            <a:lvl9pPr marL="3886200" indent="-228600" algn="l" defTabSz="914400" rtl="0" eaLnBrk="1" latinLnBrk="0" hangingPunct="1">
+              <a:lnSpc>
+                <a:spcPct val="90000"/>
+              </a:lnSpc>
+              <a:spcBef>
+                <a:spcPts val="500"/>
+              </a:spcBef>
+              <a:buFont typeface="Arial" panose="020B0604020202020204" pitchFamily="34" charset="0"/>
+              <a:buChar char="•"/>
+              <a:defRPr sz="1800" kern="1200">
+                <a:solidFill>
+                  <a:schemeClr val="tx1"/>
+                </a:solidFill>
+                <a:latin typeface="+mn-lt"/>
+                <a:ea typeface="+mn-ea"/>
+                <a:cs typeface="+mn-cs"/>
+              </a:defRPr>
+            </a:lvl9pPr>
+          </a:lstStyle>
+          <a:p>
+            <a:pPr marL="215249" indent="-215249" defTabSz="832104" hangingPunct="1">
+              <a:spcBef>
+                <a:spcPts val="1500"/>
+              </a:spcBef>
+              <a:buFont typeface="Arial"/>
+              <a:buChar char="•"/>
+            </a:pPr>
+            <a:r>
+              <a:rPr sz="2400" b="1" dirty="0">
+                <a:solidFill>
+                  <a:prstClr val="black"/>
+                </a:solidFill>
+              </a:rPr>
+              <a:t>Rapid development</a:t>
+            </a:r>
+            <a:endParaRPr sz="2800" b="1" dirty="0">
+              <a:solidFill>
+                <a:prstClr val="black"/>
+              </a:solidFill>
+            </a:endParaRPr>
+          </a:p>
+          <a:p>
+            <a:pPr marL="215249" indent="-215249" defTabSz="832104" hangingPunct="1">
+              <a:spcBef>
+                <a:spcPts val="1500"/>
+              </a:spcBef>
+              <a:buFont typeface="Arial"/>
+              <a:buChar char="•"/>
+            </a:pPr>
+            <a:r>
+              <a:rPr sz="2400" b="1" dirty="0">
+                <a:solidFill>
+                  <a:prstClr val="black"/>
+                </a:solidFill>
+              </a:rPr>
+              <a:t>Rock-solid stability</a:t>
+            </a:r>
+          </a:p>
+          <a:p>
+            <a:pPr marL="215249" indent="-215249" defTabSz="832104" hangingPunct="1">
+              <a:spcBef>
+                <a:spcPts val="1500"/>
+              </a:spcBef>
+              <a:buFont typeface="Arial"/>
+              <a:buChar char="•"/>
+            </a:pPr>
+            <a:r>
+              <a:rPr sz="2400" b="1" dirty="0">
+                <a:solidFill>
+                  <a:prstClr val="black"/>
+                </a:solidFill>
+              </a:rPr>
+              <a:t>Confidence in results from layered testing</a:t>
+            </a:r>
+            <a:endParaRPr sz="2000" dirty="0">
+              <a:solidFill>
+                <a:prstClr val="black"/>
+              </a:solidFill>
+            </a:endParaRPr>
+          </a:p>
+        </p:txBody>
+      </p:sp>
+      <p:pic>
+        <p:nvPicPr>
+          <p:cNvPr id="11" name="Picture 10"/>
+          <p:cNvPicPr>
+            <a:picLocks noChangeAspect="1"/>
+          </p:cNvPicPr>
+          <p:nvPr/>
+        </p:nvPicPr>
+        <p:blipFill>
+          <a:blip r:embed="rId3" cstate="print">
+            <a:extLst>
+              <a:ext uri="{28A0092B-C50C-407E-A947-70E740481C1C}">
+                <a14:useLocalDpi xmlns:a14="http://schemas.microsoft.com/office/drawing/2010/main" val="0"/>
+              </a:ext>
+            </a:extLst>
+          </a:blip>
+          <a:stretch>
+            <a:fillRect/>
+          </a:stretch>
+        </p:blipFill>
+        <p:spPr>
+          <a:xfrm>
+            <a:off x="5800165" y="1352484"/>
+            <a:ext cx="4876800" cy="5034579"/>
+          </a:xfrm>
+          <a:prstGeom prst="rect">
+            <a:avLst/>
+          </a:prstGeom>
+        </p:spPr>
+      </p:pic>
+      <p:sp>
+        <p:nvSpPr>
+          <p:cNvPr id="12" name="Rectangle 11"/>
+          <p:cNvSpPr/>
+          <p:nvPr/>
+        </p:nvSpPr>
+        <p:spPr>
+          <a:xfrm>
+            <a:off x="8971723" y="1271729"/>
+            <a:ext cx="1765277" cy="523220"/>
+          </a:xfrm>
+          <a:prstGeom prst="rect">
+            <a:avLst/>
+          </a:prstGeom>
+          <a:noFill/>
+        </p:spPr>
+        <p:txBody>
+          <a:bodyPr wrap="square" lIns="91440" tIns="45720" rIns="91440" bIns="45720">
+            <a:spAutoFit/>
+            <a:scene3d>
+              <a:camera prst="orthographicFront"/>
+              <a:lightRig rig="soft" dir="t">
+                <a:rot lat="0" lon="0" rev="15600000"/>
+              </a:lightRig>
+            </a:scene3d>
+            <a:sp3d extrusionH="57150" prstMaterial="softEdge">
+              <a:bevelT w="25400" h="38100"/>
+            </a:sp3d>
+          </a:bodyPr>
+          <a:lstStyle/>
+          <a:p>
+            <a:pPr algn="ctr"/>
+            <a:r>
+              <a:rPr lang="en-US" sz="2800" b="1" dirty="0">
+                <a:ln/>
+                <a:solidFill>
+                  <a:srgbClr val="FFFF00"/>
+                </a:solidFill>
+              </a:rPr>
+              <a:t>Products</a:t>
+            </a:r>
+          </a:p>
+        </p:txBody>
+      </p:sp>
+      <p:sp>
+        <p:nvSpPr>
+          <p:cNvPr id="13" name="Rectangle 12"/>
+          <p:cNvSpPr/>
+          <p:nvPr/>
+        </p:nvSpPr>
+        <p:spPr>
+          <a:xfrm>
+            <a:off x="9395791" y="3911383"/>
+            <a:ext cx="997814" cy="523220"/>
+          </a:xfrm>
+          <a:prstGeom prst="rect">
+            <a:avLst/>
+          </a:prstGeom>
+          <a:noFill/>
+        </p:spPr>
+        <p:txBody>
+          <a:bodyPr wrap="square" lIns="91440" tIns="45720" rIns="91440" bIns="45720">
+            <a:spAutoFit/>
+            <a:scene3d>
+              <a:camera prst="orthographicFront"/>
+              <a:lightRig rig="soft" dir="t">
+                <a:rot lat="0" lon="0" rev="15600000"/>
+              </a:lightRig>
+            </a:scene3d>
+            <a:sp3d extrusionH="57150" prstMaterial="softEdge">
+              <a:bevelT w="25400" h="38100"/>
+            </a:sp3d>
+          </a:bodyPr>
+          <a:lstStyle/>
+          <a:p>
+            <a:pPr algn="ctr"/>
+            <a:r>
+              <a:rPr lang="en-US" sz="2800" b="1" dirty="0">
+                <a:ln/>
+                <a:solidFill>
+                  <a:srgbClr val="FFFF00"/>
+                </a:solidFill>
+              </a:rPr>
+              <a:t>JEL</a:t>
+            </a:r>
+          </a:p>
+        </p:txBody>
+      </p:sp>
+      <p:sp>
+        <p:nvSpPr>
+          <p:cNvPr id="16" name="Rectangle 15"/>
+          <p:cNvSpPr/>
+          <p:nvPr/>
+        </p:nvSpPr>
+        <p:spPr>
+          <a:xfrm rot="19452144">
+            <a:off x="5129839" y="4166453"/>
+            <a:ext cx="1932324" cy="646331"/>
+          </a:xfrm>
+          <a:prstGeom prst="rect">
+            <a:avLst/>
+          </a:prstGeom>
+          <a:noFill/>
+          <a:ln w="76200">
+            <a:solidFill>
+              <a:srgbClr val="00B050"/>
+            </a:solidFill>
+          </a:ln>
+        </p:spPr>
+        <p:txBody>
+          <a:bodyPr wrap="none" lIns="91440" tIns="45720" rIns="91440" bIns="45720">
+            <a:spAutoFit/>
+          </a:bodyPr>
+          <a:lstStyle/>
+          <a:p>
+            <a:pPr algn="ctr"/>
+            <a:r>
+              <a:rPr lang="en-US" b="1" dirty="0">
+                <a:ln w="6600">
+                  <a:solidFill>
+                    <a:srgbClr val="00B050"/>
+                  </a:solidFill>
+                  <a:prstDash val="solid"/>
+                </a:ln>
+                <a:solidFill>
+                  <a:srgbClr val="FFFFFF"/>
+                </a:solidFill>
+                <a:effectLst>
+                  <a:outerShdw dist="38100" dir="2700000" algn="tl" rotWithShape="0">
+                    <a:schemeClr val="accent2"/>
+                  </a:outerShdw>
+                </a:effectLst>
+              </a:rPr>
+              <a:t>Combined process</a:t>
+            </a:r>
+          </a:p>
+          <a:p>
+            <a:pPr algn="ctr"/>
+            <a:r>
+              <a:rPr lang="en-US" b="1" dirty="0">
+                <a:ln w="6600">
+                  <a:solidFill>
+                    <a:srgbClr val="00B050"/>
+                  </a:solidFill>
+                  <a:prstDash val="solid"/>
+                </a:ln>
+                <a:solidFill>
+                  <a:srgbClr val="FFFFFF"/>
+                </a:solidFill>
+                <a:effectLst>
+                  <a:outerShdw dist="38100" dir="2700000" algn="tl" rotWithShape="0">
+                    <a:schemeClr val="accent2"/>
+                  </a:outerShdw>
+                </a:effectLst>
+              </a:rPr>
+              <a:t>improvements</a:t>
+            </a:r>
+          </a:p>
+        </p:txBody>
+      </p:sp>
+      <p:sp>
+        <p:nvSpPr>
+          <p:cNvPr id="15" name="Title 2"/>
+          <p:cNvSpPr txBox="1">
+            <a:spLocks noGrp="1"/>
+          </p:cNvSpPr>
+          <p:nvPr>
+            <p:ph type="title"/>
+          </p:nvPr>
+        </p:nvSpPr>
+        <p:spPr>
+          <a:xfrm>
+            <a:off x="2189430" y="259502"/>
+            <a:ext cx="8229600" cy="639759"/>
+          </a:xfrm>
+        </p:spPr>
+        <p:txBody>
+          <a:bodyPr anchor="ctr"/>
+          <a:lstStyle/>
+          <a:p>
+            <a:pPr lvl="0" algn="ctr" hangingPunct="1"/>
+            <a:r>
+              <a:rPr lang="en-US" sz="2400" b="1" dirty="0">
+                <a:solidFill>
+                  <a:srgbClr val="000000"/>
+                </a:solidFill>
+                <a:latin typeface="Arial" panose="020B0604020202020204" pitchFamily="34" charset="0"/>
+                <a:cs typeface="Arial" panose="020B0604020202020204" pitchFamily="34" charset="0"/>
+              </a:rPr>
+              <a:t>Long-term JEL Objectives Plus Product Results</a:t>
+            </a:r>
+          </a:p>
+        </p:txBody>
+      </p:sp>
+    </p:spTree>
+    <p:extLst>
+      <p:ext uri="{BB962C8B-B14F-4D97-AF65-F5344CB8AC3E}">
+        <p14:creationId xmlns:p14="http://schemas.microsoft.com/office/powerpoint/2010/main" val="2855116851"/>
+      </p:ext>
+    </p:extLst>
+  </p:cSld>
+  <p:clrMapOvr>
+    <a:masterClrMapping/>
+  </p:clrMapOvr>
+  <mc:AlternateContent xmlns:mc="http://schemas.openxmlformats.org/markup-compatibility/2006" xmlns:p14="http://schemas.microsoft.com/office/powerpoint/2010/main">
+    <mc:Choice Requires="p14">
+      <p:transition spd="slow" p14:dur="2000"/>
+    </mc:Choice>
+    <mc:Fallback xmlns="">
+      <p:transition spd="slow"/>
+    </mc:Fallback>
+  </mc:AlternateContent>
+  <p:timing>
+    <p:tnLst>
+      <p:par>
+        <p:cTn id="1" dur="indefinite" restart="never" nodeType="tmRoot"/>
+      </p:par>
+    </p:tnLst>
+  </p:timing>
+</p:sld>
+</file>
+
+<file path=ppt/slides/slide20.xml><?xml version="1.0" encoding="utf-8"?>
 <p:sld xmlns:a="http://schemas.openxmlformats.org/drawingml/2006/main" xmlns:r="http://schemas.openxmlformats.org/officeDocument/2006/relationships" xmlns:p="http://schemas.openxmlformats.org/presentationml/2006/main">
   <p:cSld>
     <p:spTree>
@@ -7536,7 +9126,7 @@
 </p:sld>
 </file>
 
-<file path=ppt/slides/slide18.xml><?xml version="1.0" encoding="utf-8"?>
+<file path=ppt/slides/slide21.xml><?xml version="1.0" encoding="utf-8"?>
 <p:sld xmlns:a="http://schemas.openxmlformats.org/drawingml/2006/main" xmlns:r="http://schemas.openxmlformats.org/officeDocument/2006/relationships" xmlns:p="http://schemas.openxmlformats.org/presentationml/2006/main">
   <p:cSld>
     <p:spTree>
@@ -7842,7 +9432,7 @@
 </p:sld>
 </file>
 
-<file path=ppt/slides/slide2.xml><?xml version="1.0" encoding="utf-8"?>
+<file path=ppt/slides/slide3.xml><?xml version="1.0" encoding="utf-8"?>
 <p:sld xmlns:a="http://schemas.openxmlformats.org/drawingml/2006/main" xmlns:r="http://schemas.openxmlformats.org/officeDocument/2006/relationships" xmlns:p="http://schemas.openxmlformats.org/presentationml/2006/main">
   <p:cSld>
     <p:spTree>
@@ -7861,6 +9451,529 @@
       </p:grpSpPr>
       <p:sp>
         <p:nvSpPr>
+          <p:cNvPr id="8" name="Title 7"/>
+          <p:cNvSpPr>
+            <a:spLocks noGrp="1"/>
+          </p:cNvSpPr>
+          <p:nvPr>
+            <p:ph type="title"/>
+          </p:nvPr>
+        </p:nvSpPr>
+        <p:spPr/>
+        <p:txBody>
+          <a:bodyPr/>
+          <a:lstStyle/>
+          <a:p>
+            <a:r>
+              <a:rPr lang="en-US" dirty="0"/>
+              <a:t> </a:t>
+            </a:r>
+          </a:p>
+        </p:txBody>
+      </p:sp>
+      <p:sp>
+        <p:nvSpPr>
+          <p:cNvPr id="9" name="Title 1">
+            <a:extLst>
+              <a:ext uri="{FF2B5EF4-FFF2-40B4-BE49-F238E27FC236}">
+                <a16:creationId xmlns:a16="http://schemas.microsoft.com/office/drawing/2014/main" id="{75DF8B70-472F-4BA3-AF56-DA177B5567DB}"/>
+              </a:ext>
+            </a:extLst>
+          </p:cNvPr>
+          <p:cNvSpPr txBox="1">
+            <a:spLocks/>
+          </p:cNvSpPr>
+          <p:nvPr/>
+        </p:nvSpPr>
+        <p:spPr>
+          <a:xfrm>
+            <a:off x="2563139" y="538619"/>
+            <a:ext cx="7065723" cy="1251444"/>
+          </a:xfrm>
+        </p:spPr>
+        <p:txBody>
+          <a:bodyPr lIns="91440" tIns="45720" rIns="91440" bIns="45720" anchor="t"/>
+          <a:lstStyle>
+            <a:lvl1pPr algn="l" rtl="0" eaLnBrk="1" fontAlgn="base" hangingPunct="1">
+              <a:spcBef>
+                <a:spcPct val="0"/>
+              </a:spcBef>
+              <a:spcAft>
+                <a:spcPct val="0"/>
+              </a:spcAft>
+              <a:defRPr sz="2400" b="0" kern="1200" cap="all">
+                <a:solidFill>
+                  <a:schemeClr val="tx1"/>
+                </a:solidFill>
+                <a:latin typeface="Arial" pitchFamily="34" charset="0"/>
+                <a:ea typeface="ＭＳ Ｐゴシック" charset="0"/>
+                <a:cs typeface="Arial" pitchFamily="34" charset="0"/>
+              </a:defRPr>
+            </a:lvl1pPr>
+            <a:lvl2pPr algn="l" rtl="0" eaLnBrk="1" fontAlgn="base" hangingPunct="1">
+              <a:spcBef>
+                <a:spcPct val="0"/>
+              </a:spcBef>
+              <a:spcAft>
+                <a:spcPct val="0"/>
+              </a:spcAft>
+              <a:defRPr sz="2400" b="1">
+                <a:solidFill>
+                  <a:srgbClr val="978473"/>
+                </a:solidFill>
+                <a:latin typeface="Arial" charset="0"/>
+                <a:ea typeface="ＭＳ Ｐゴシック" charset="0"/>
+                <a:cs typeface="Arial" charset="0"/>
+              </a:defRPr>
+            </a:lvl2pPr>
+            <a:lvl3pPr algn="l" rtl="0" eaLnBrk="1" fontAlgn="base" hangingPunct="1">
+              <a:spcBef>
+                <a:spcPct val="0"/>
+              </a:spcBef>
+              <a:spcAft>
+                <a:spcPct val="0"/>
+              </a:spcAft>
+              <a:defRPr sz="2400" b="1">
+                <a:solidFill>
+                  <a:srgbClr val="978473"/>
+                </a:solidFill>
+                <a:latin typeface="Arial" charset="0"/>
+                <a:ea typeface="ＭＳ Ｐゴシック" charset="0"/>
+                <a:cs typeface="Arial" charset="0"/>
+              </a:defRPr>
+            </a:lvl3pPr>
+            <a:lvl4pPr algn="l" rtl="0" eaLnBrk="1" fontAlgn="base" hangingPunct="1">
+              <a:spcBef>
+                <a:spcPct val="0"/>
+              </a:spcBef>
+              <a:spcAft>
+                <a:spcPct val="0"/>
+              </a:spcAft>
+              <a:defRPr sz="2400" b="1">
+                <a:solidFill>
+                  <a:srgbClr val="978473"/>
+                </a:solidFill>
+                <a:latin typeface="Arial" charset="0"/>
+                <a:ea typeface="ＭＳ Ｐゴシック" charset="0"/>
+                <a:cs typeface="Arial" charset="0"/>
+              </a:defRPr>
+            </a:lvl4pPr>
+            <a:lvl5pPr algn="l" rtl="0" eaLnBrk="1" fontAlgn="base" hangingPunct="1">
+              <a:spcBef>
+                <a:spcPct val="0"/>
+              </a:spcBef>
+              <a:spcAft>
+                <a:spcPct val="0"/>
+              </a:spcAft>
+              <a:defRPr sz="2400" b="1">
+                <a:solidFill>
+                  <a:srgbClr val="978473"/>
+                </a:solidFill>
+                <a:latin typeface="Arial" charset="0"/>
+                <a:ea typeface="ＭＳ Ｐゴシック" charset="0"/>
+                <a:cs typeface="Arial" charset="0"/>
+              </a:defRPr>
+            </a:lvl5pPr>
+            <a:lvl6pPr marL="457200" algn="l" rtl="0" eaLnBrk="1" fontAlgn="base" hangingPunct="1">
+              <a:spcBef>
+                <a:spcPct val="0"/>
+              </a:spcBef>
+              <a:spcAft>
+                <a:spcPct val="0"/>
+              </a:spcAft>
+              <a:defRPr sz="4400">
+                <a:solidFill>
+                  <a:schemeClr val="tx1"/>
+                </a:solidFill>
+                <a:latin typeface="Arial" charset="0"/>
+                <a:cs typeface="Arial" charset="0"/>
+              </a:defRPr>
+            </a:lvl6pPr>
+            <a:lvl7pPr marL="914400" algn="l" rtl="0" eaLnBrk="1" fontAlgn="base" hangingPunct="1">
+              <a:spcBef>
+                <a:spcPct val="0"/>
+              </a:spcBef>
+              <a:spcAft>
+                <a:spcPct val="0"/>
+              </a:spcAft>
+              <a:defRPr sz="4400">
+                <a:solidFill>
+                  <a:schemeClr val="tx1"/>
+                </a:solidFill>
+                <a:latin typeface="Arial" charset="0"/>
+                <a:cs typeface="Arial" charset="0"/>
+              </a:defRPr>
+            </a:lvl7pPr>
+            <a:lvl8pPr marL="1371600" algn="l" rtl="0" eaLnBrk="1" fontAlgn="base" hangingPunct="1">
+              <a:spcBef>
+                <a:spcPct val="0"/>
+              </a:spcBef>
+              <a:spcAft>
+                <a:spcPct val="0"/>
+              </a:spcAft>
+              <a:defRPr sz="4400">
+                <a:solidFill>
+                  <a:schemeClr val="tx1"/>
+                </a:solidFill>
+                <a:latin typeface="Arial" charset="0"/>
+                <a:cs typeface="Arial" charset="0"/>
+              </a:defRPr>
+            </a:lvl8pPr>
+            <a:lvl9pPr marL="1828800" algn="l" rtl="0" eaLnBrk="1" fontAlgn="base" hangingPunct="1">
+              <a:spcBef>
+                <a:spcPct val="0"/>
+              </a:spcBef>
+              <a:spcAft>
+                <a:spcPct val="0"/>
+              </a:spcAft>
+              <a:defRPr sz="4400">
+                <a:solidFill>
+                  <a:schemeClr val="tx1"/>
+                </a:solidFill>
+                <a:latin typeface="Arial" charset="0"/>
+                <a:cs typeface="Arial" charset="0"/>
+              </a:defRPr>
+            </a:lvl9pPr>
+          </a:lstStyle>
+          <a:p>
+            <a:pPr algn="ctr"/>
+            <a:endParaRPr lang="en-US" dirty="0">
+              <a:cs typeface="Calibri Light"/>
+            </a:endParaRPr>
+          </a:p>
+          <a:p>
+            <a:pPr algn="ctr"/>
+            <a:r>
+              <a:rPr lang="en-US" dirty="0">
+                <a:latin typeface="Arial"/>
+                <a:ea typeface="ＭＳ Ｐゴシック"/>
+                <a:cs typeface="Calibri Light"/>
+              </a:rPr>
+              <a:t>What Do Software Developers Do?</a:t>
+            </a:r>
+            <a:endParaRPr lang="en-US" dirty="0">
+              <a:latin typeface="Arial"/>
+              <a:ea typeface="ＭＳ Ｐゴシック"/>
+            </a:endParaRPr>
+          </a:p>
+        </p:txBody>
+      </p:sp>
+      <p:pic>
+        <p:nvPicPr>
+          <p:cNvPr id="13" name="Picture 12"/>
+          <p:cNvPicPr>
+            <a:picLocks noChangeAspect="1"/>
+          </p:cNvPicPr>
+          <p:nvPr/>
+        </p:nvPicPr>
+        <p:blipFill>
+          <a:blip r:embed="rId3"/>
+          <a:stretch>
+            <a:fillRect/>
+          </a:stretch>
+        </p:blipFill>
+        <p:spPr>
+          <a:xfrm>
+            <a:off x="1113559" y="1403796"/>
+            <a:ext cx="10451672" cy="5149847"/>
+          </a:xfrm>
+          <a:prstGeom prst="rect">
+            <a:avLst/>
+          </a:prstGeom>
+        </p:spPr>
+      </p:pic>
+      <p:sp>
+        <p:nvSpPr>
+          <p:cNvPr id="11" name="TextBox 10">
+            <a:extLst>
+              <a:ext uri="{FF2B5EF4-FFF2-40B4-BE49-F238E27FC236}">
+                <a16:creationId xmlns:a16="http://schemas.microsoft.com/office/drawing/2014/main" id="{32FBDD42-86A8-490B-B91E-939C191F1F5C}"/>
+              </a:ext>
+            </a:extLst>
+          </p:cNvPr>
+          <p:cNvSpPr txBox="1"/>
+          <p:nvPr/>
+        </p:nvSpPr>
+        <p:spPr>
+          <a:xfrm>
+            <a:off x="8822029" y="1403796"/>
+            <a:ext cx="2743199" cy="1600438"/>
+          </a:xfrm>
+          <a:prstGeom prst="rect">
+            <a:avLst/>
+          </a:prstGeom>
+          <a:solidFill>
+            <a:srgbClr val="7030A0"/>
+          </a:solidFill>
+        </p:spPr>
+        <p:txBody>
+          <a:bodyPr rot="0" spcFirstLastPara="0" vertOverflow="overflow" horzOverflow="overflow" vert="horz" wrap="square" lIns="91440" tIns="45720" rIns="91440" bIns="45720" numCol="1" spcCol="0" rtlCol="0" fromWordArt="0" anchor="t" anchorCtr="0" forceAA="0" compatLnSpc="1">
+            <a:prstTxWarp prst="textNoShape">
+              <a:avLst/>
+            </a:prstTxWarp>
+            <a:spAutoFit/>
+          </a:bodyPr>
+          <a:lstStyle/>
+          <a:p>
+            <a:r>
+              <a:rPr lang="en-US" sz="1400" dirty="0">
+                <a:solidFill>
+                  <a:srgbClr val="FFFFFF"/>
+                </a:solidFill>
+                <a:latin typeface="Arial"/>
+                <a:ea typeface="ＭＳ Ｐゴシック"/>
+                <a:cs typeface="Arial"/>
+              </a:rPr>
+              <a:t>Knowledge management is essential to every stage of </a:t>
+            </a:r>
+            <a:r>
+              <a:rPr lang="en-US" sz="1400" dirty="0" err="1">
+                <a:solidFill>
+                  <a:srgbClr val="FFFFFF"/>
+                </a:solidFill>
+                <a:latin typeface="Arial"/>
+                <a:ea typeface="ＭＳ Ｐゴシック"/>
+                <a:cs typeface="Arial"/>
+              </a:rPr>
+              <a:t>Dev</a:t>
+            </a:r>
+            <a:r>
+              <a:rPr lang="en-US" sz="1400" b="1" dirty="0" err="1">
+                <a:solidFill>
+                  <a:srgbClr val="FFFFFF"/>
+                </a:solidFill>
+                <a:latin typeface="Arial"/>
+                <a:ea typeface="ＭＳ Ｐゴシック"/>
+                <a:cs typeface="Arial"/>
+              </a:rPr>
+              <a:t>Sec</a:t>
+            </a:r>
+            <a:r>
+              <a:rPr lang="en-US" sz="1400" dirty="0" err="1">
+                <a:solidFill>
+                  <a:srgbClr val="FFFFFF"/>
+                </a:solidFill>
+                <a:latin typeface="Arial"/>
+                <a:ea typeface="ＭＳ Ｐゴシック"/>
+                <a:cs typeface="Arial"/>
+              </a:rPr>
+              <a:t>Ops</a:t>
+            </a:r>
+            <a:r>
+              <a:rPr lang="en-US" sz="1400" dirty="0">
+                <a:solidFill>
+                  <a:srgbClr val="FFFFFF"/>
+                </a:solidFill>
+                <a:latin typeface="Arial"/>
+                <a:ea typeface="ＭＳ Ｐゴシック"/>
+                <a:cs typeface="Arial"/>
+              </a:rPr>
+              <a:t> and enables required security evaluation.</a:t>
+            </a:r>
+          </a:p>
+          <a:p>
+            <a:endParaRPr lang="en-US" sz="1400" dirty="0">
+              <a:solidFill>
+                <a:srgbClr val="FFFFFF"/>
+              </a:solidFill>
+              <a:cs typeface="Calibri"/>
+            </a:endParaRPr>
+          </a:p>
+          <a:p>
+            <a:r>
+              <a:rPr lang="en-US" sz="1400" dirty="0">
+                <a:solidFill>
+                  <a:srgbClr val="FFFFFF"/>
+                </a:solidFill>
+                <a:latin typeface="Arial"/>
+                <a:ea typeface="ＭＳ Ｐゴシック"/>
+                <a:cs typeface="Calibri"/>
+              </a:rPr>
+              <a:t>Security evaluation is integral to every stage of </a:t>
+            </a:r>
+            <a:r>
+              <a:rPr lang="en-US" sz="1400" dirty="0" err="1">
+                <a:solidFill>
+                  <a:srgbClr val="FFFFFF"/>
+                </a:solidFill>
+                <a:latin typeface="Arial"/>
+                <a:ea typeface="ＭＳ Ｐゴシック"/>
+                <a:cs typeface="Calibri"/>
+              </a:rPr>
+              <a:t>Dev</a:t>
+            </a:r>
+            <a:r>
+              <a:rPr lang="en-US" sz="1400" b="1" dirty="0" err="1">
+                <a:solidFill>
+                  <a:srgbClr val="FFFFFF"/>
+                </a:solidFill>
+                <a:latin typeface="Arial"/>
+                <a:ea typeface="ＭＳ Ｐゴシック"/>
+                <a:cs typeface="Calibri"/>
+              </a:rPr>
+              <a:t>Sec</a:t>
+            </a:r>
+            <a:r>
+              <a:rPr lang="en-US" sz="1400" dirty="0" err="1">
+                <a:solidFill>
+                  <a:srgbClr val="FFFFFF"/>
+                </a:solidFill>
+                <a:latin typeface="Arial"/>
+                <a:ea typeface="ＭＳ Ｐゴシック"/>
+                <a:cs typeface="Calibri"/>
+              </a:rPr>
+              <a:t>Ops</a:t>
+            </a:r>
+            <a:r>
+              <a:rPr lang="en-US" sz="1400" b="1" dirty="0">
+                <a:solidFill>
+                  <a:srgbClr val="FFFFFF"/>
+                </a:solidFill>
+                <a:latin typeface="Arial"/>
+                <a:ea typeface="ＭＳ Ｐゴシック"/>
+                <a:cs typeface="Calibri"/>
+              </a:rPr>
+              <a:t>.</a:t>
+            </a:r>
+          </a:p>
+        </p:txBody>
+      </p:sp>
+      <p:sp>
+        <p:nvSpPr>
+          <p:cNvPr id="4" name="TextBox 3">
+            <a:extLst>
+              <a:ext uri="{FF2B5EF4-FFF2-40B4-BE49-F238E27FC236}">
+                <a16:creationId xmlns:a16="http://schemas.microsoft.com/office/drawing/2014/main" id="{6B58FB8D-5973-4CC9-AE19-3307D6A37D8F}"/>
+              </a:ext>
+            </a:extLst>
+          </p:cNvPr>
+          <p:cNvSpPr txBox="1"/>
+          <p:nvPr/>
+        </p:nvSpPr>
+        <p:spPr>
+          <a:xfrm>
+            <a:off x="4605256" y="422795"/>
+            <a:ext cx="3094783" cy="461665"/>
+          </a:xfrm>
+          <a:prstGeom prst="rect">
+            <a:avLst/>
+          </a:prstGeom>
+          <a:noFill/>
+        </p:spPr>
+        <p:txBody>
+          <a:bodyPr rot="0" spcFirstLastPara="0" vertOverflow="overflow" horzOverflow="overflow" vert="horz" wrap="square" lIns="91440" tIns="45720" rIns="91440" bIns="45720" numCol="1" spcCol="0" rtlCol="0" fromWordArt="0" anchor="t" anchorCtr="0" forceAA="0" compatLnSpc="1">
+            <a:prstTxWarp prst="textNoShape">
+              <a:avLst/>
+            </a:prstTxWarp>
+            <a:spAutoFit/>
+          </a:bodyPr>
+          <a:lstStyle/>
+          <a:p>
+            <a:pPr algn="ctr"/>
+            <a:r>
+              <a:rPr lang="en-US" sz="2400" b="1" dirty="0" err="1">
+                <a:latin typeface="Arial"/>
+                <a:ea typeface="ＭＳ Ｐゴシック"/>
+                <a:cs typeface="Arial"/>
+              </a:rPr>
+              <a:t>DevSecOps</a:t>
+            </a:r>
+            <a:r>
+              <a:rPr lang="en-US" b="1" dirty="0">
+                <a:latin typeface="Arial"/>
+                <a:ea typeface="ＭＳ Ｐゴシック"/>
+                <a:cs typeface="Arial"/>
+              </a:rPr>
+              <a:t> </a:t>
+            </a:r>
+          </a:p>
+        </p:txBody>
+      </p:sp>
+      <p:sp>
+        <p:nvSpPr>
+          <p:cNvPr id="3" name="Rectangle 2"/>
+          <p:cNvSpPr/>
+          <p:nvPr/>
+        </p:nvSpPr>
+        <p:spPr>
+          <a:xfrm>
+            <a:off x="2794961" y="4520486"/>
+            <a:ext cx="2601289" cy="1159098"/>
+          </a:xfrm>
+          <a:prstGeom prst="rect">
+            <a:avLst/>
+          </a:prstGeom>
+          <a:noFill/>
+          <a:ln w="57150">
+            <a:solidFill>
+              <a:srgbClr val="FF0000"/>
+            </a:solidFill>
+          </a:ln>
+        </p:spPr>
+        <p:style>
+          <a:lnRef idx="2">
+            <a:schemeClr val="accent1">
+              <a:shade val="50000"/>
+            </a:schemeClr>
+          </a:lnRef>
+          <a:fillRef idx="1">
+            <a:schemeClr val="accent1"/>
+          </a:fillRef>
+          <a:effectRef idx="0">
+            <a:schemeClr val="accent1"/>
+          </a:effectRef>
+          <a:fontRef idx="minor">
+            <a:schemeClr val="lt1"/>
+          </a:fontRef>
+        </p:style>
+        <p:txBody>
+          <a:bodyPr rtlCol="0" anchor="ctr"/>
+          <a:lstStyle/>
+          <a:p>
+            <a:pPr algn="ctr"/>
+            <a:endParaRPr lang="en-US"/>
+          </a:p>
+        </p:txBody>
+      </p:sp>
+    </p:spTree>
+    <p:extLst>
+      <p:ext uri="{BB962C8B-B14F-4D97-AF65-F5344CB8AC3E}">
+        <p14:creationId xmlns:p14="http://schemas.microsoft.com/office/powerpoint/2010/main" val="367441428"/>
+      </p:ext>
+    </p:extLst>
+  </p:cSld>
+  <p:clrMapOvr>
+    <a:masterClrMapping/>
+  </p:clrMapOvr>
+  <p:timing>
+    <p:tnLst>
+      <p:par>
+        <p:cTn id="1" dur="indefinite" restart="never" nodeType="tmRoot"/>
+      </p:par>
+    </p:tnLst>
+  </p:timing>
+</p:sld>
+</file>
+
+<file path=ppt/slides/slide4.xml><?xml version="1.0" encoding="utf-8"?>
+<p:sld xmlns:a="http://schemas.openxmlformats.org/drawingml/2006/main" xmlns:r="http://schemas.openxmlformats.org/officeDocument/2006/relationships" xmlns:p="http://schemas.openxmlformats.org/presentationml/2006/main">
+  <p:cSld>
+    <p:spTree>
+      <p:nvGrpSpPr>
+        <p:cNvPr id="1" name=""/>
+        <p:cNvGrpSpPr/>
+        <p:nvPr/>
+      </p:nvGrpSpPr>
+      <p:grpSpPr>
+        <a:xfrm>
+          <a:off x="0" y="0"/>
+          <a:ext cx="0" cy="0"/>
+          <a:chOff x="0" y="0"/>
+          <a:chExt cx="0" cy="0"/>
+        </a:xfrm>
+      </p:grpSpPr>
+      <p:sp>
+        <p:nvSpPr>
           <p:cNvPr id="2" name="Title 1"/>
           <p:cNvSpPr>
             <a:spLocks noGrp="1"/>
@@ -7901,7 +10014,7 @@
         </p:nvSpPr>
         <p:spPr>
           <a:xfrm>
-            <a:off x="838201" y="1825624"/>
+            <a:off x="824528" y="1635299"/>
             <a:ext cx="7420178" cy="4804655"/>
           </a:xfrm>
         </p:spPr>
@@ -7913,17 +10026,8 @@
           <a:p>
             <a:r>
               <a:rPr lang="en-US" baseline="0" dirty="0" smtClean="0"/>
-              <a:t>What </a:t>
-            </a:r>
-            <a:r>
-              <a:rPr lang="en-US" baseline="0" dirty="0" smtClean="0"/>
-              <a:t>often </a:t>
-            </a:r>
-            <a:r>
-              <a:rPr lang="en-US" baseline="0" dirty="0" smtClean="0"/>
-              <a:t>happens:</a:t>
-            </a:r>
-            <a:endParaRPr lang="en-US" baseline="0" dirty="0" smtClean="0"/>
+              <a:t>What often happens:</a:t>
+            </a:r>
           </a:p>
           <a:p>
             <a:pPr lvl="1"/>
@@ -7948,15 +10052,7 @@
             </a:r>
             <a:r>
               <a:rPr lang="en-US" dirty="0" smtClean="0"/>
-              <a:t> is largely ignored in favor </a:t>
-            </a:r>
-            <a:r>
-              <a:rPr lang="en-US" dirty="0" smtClean="0"/>
-              <a:t>of a large amount of </a:t>
-            </a:r>
-            <a:r>
-              <a:rPr lang="en-US" dirty="0" smtClean="0"/>
-              <a:t>system testing.</a:t>
+              <a:t> is largely ignored in favor of a large amount of system testing.</a:t>
             </a:r>
             <a:endParaRPr lang="en-US" baseline="0" dirty="0" smtClean="0"/>
           </a:p>
@@ -8392,7 +10488,7 @@
 </p:sld>
 </file>
 
-<file path=ppt/slides/slide3.xml><?xml version="1.0" encoding="utf-8"?>
+<file path=ppt/slides/slide5.xml><?xml version="1.0" encoding="utf-8"?>
 <p:sld xmlns:a="http://schemas.openxmlformats.org/drawingml/2006/main" xmlns:r="http://schemas.openxmlformats.org/officeDocument/2006/relationships" xmlns:p="http://schemas.openxmlformats.org/presentationml/2006/main">
   <p:cSld>
     <p:spTree>
@@ -8500,7 +10596,7 @@
         </p:nvSpPr>
         <p:spPr>
           <a:xfrm>
-            <a:off x="6625883" y="3496848"/>
+            <a:off x="6562725" y="3244850"/>
             <a:ext cx="5450229" cy="3170099"/>
           </a:xfrm>
           <a:prstGeom prst="rect">
@@ -8516,25 +10612,8 @@
           <a:p>
             <a:r>
               <a:rPr lang="en-US" sz="2000" dirty="0" smtClean="0"/>
-              <a:t>A simple grading app </a:t>
-            </a:r>
-            <a:r>
-              <a:rPr lang="en-US" sz="2000" dirty="0" smtClean="0"/>
-              <a:t>that </a:t>
-            </a:r>
-            <a:r>
-              <a:rPr lang="en-US" sz="2000" dirty="0" smtClean="0"/>
-              <a:t>illustrates how layered </a:t>
-            </a:r>
-            <a:r>
-              <a:rPr lang="en-US" sz="2000" dirty="0" smtClean="0"/>
-              <a:t>testing </a:t>
-            </a:r>
-            <a:r>
-              <a:rPr lang="en-US" sz="2000" dirty="0" smtClean="0"/>
-              <a:t>methods work. </a:t>
-            </a:r>
-            <a:endParaRPr lang="en-US" sz="2000" dirty="0" smtClean="0"/>
+              <a:t>A simple grading app that illustrates how layered testing methods work. </a:t>
+            </a:r>
           </a:p>
           <a:p>
             <a:r>
@@ -8570,11 +10649,7 @@
           <a:p>
             <a:r>
               <a:rPr lang="en-US" sz="2000" dirty="0" smtClean="0"/>
-              <a:t>Of course, users don’t always do the “right” thing</a:t>
-            </a:r>
-            <a:r>
-              <a:rPr lang="en-US" sz="2000" dirty="0" smtClean="0"/>
-              <a:t>!</a:t>
+              <a:t>Of course, users don’t always do the “right” thing!</a:t>
             </a:r>
           </a:p>
           <a:p>
@@ -8582,7 +10657,6 @@
               <a:rPr lang="en-US" sz="2000" dirty="0" smtClean="0"/>
               <a:t>But we can plan ahead …</a:t>
             </a:r>
-            <a:endParaRPr lang="en-US" sz="2000" dirty="0" smtClean="0"/>
           </a:p>
         </p:txBody>
       </p:sp>
@@ -11453,7 +13527,7 @@
 </p:sld>
 </file>
 
-<file path=ppt/slides/slide4.xml><?xml version="1.0" encoding="utf-8"?>
+<file path=ppt/slides/slide6.xml><?xml version="1.0" encoding="utf-8"?>
 <p:sld xmlns:a="http://schemas.openxmlformats.org/drawingml/2006/main" xmlns:r="http://schemas.openxmlformats.org/officeDocument/2006/relationships" xmlns:p="http://schemas.openxmlformats.org/presentationml/2006/main">
   <p:cSld>
     <p:spTree>
@@ -11850,7 +13924,7 @@
 </p:sld>
 </file>
 
-<file path=ppt/slides/slide5.xml><?xml version="1.0" encoding="utf-8"?>
+<file path=ppt/slides/slide7.xml><?xml version="1.0" encoding="utf-8"?>
 <p:sld xmlns:a="http://schemas.openxmlformats.org/drawingml/2006/main" xmlns:r="http://schemas.openxmlformats.org/officeDocument/2006/relationships" xmlns:p="http://schemas.openxmlformats.org/presentationml/2006/main">
   <p:cSld>
     <p:spTree>
@@ -12202,7 +14276,7 @@
 </p:sld>
 </file>
 
-<file path=ppt/slides/slide6.xml><?xml version="1.0" encoding="utf-8"?>
+<file path=ppt/slides/slide8.xml><?xml version="1.0" encoding="utf-8"?>
 <p:sld xmlns:a="http://schemas.openxmlformats.org/drawingml/2006/main" xmlns:r="http://schemas.openxmlformats.org/officeDocument/2006/relationships" xmlns:p="http://schemas.openxmlformats.org/presentationml/2006/main">
   <p:cSld>
     <p:spTree>
@@ -12259,8 +14333,8 @@
         </p:nvSpPr>
         <p:spPr>
           <a:xfrm>
-            <a:off x="6660739" y="0"/>
-            <a:ext cx="5296874" cy="6858000"/>
+            <a:off x="6375042" y="360608"/>
+            <a:ext cx="5582571" cy="5924282"/>
           </a:xfrm>
         </p:spPr>
         <p:txBody>
@@ -12270,185 +14344,201 @@
           <a:lstStyle/>
           <a:p>
             <a:r>
-              <a:rPr lang="en-US" sz="1800" dirty="0"/>
+              <a:rPr lang="en-US" sz="1600" dirty="0"/>
               <a:t>As </a:t>
             </a:r>
             <a:r>
-              <a:rPr lang="en-US" sz="1800" dirty="0" smtClean="0"/>
+              <a:rPr lang="en-US" sz="1600" dirty="0" smtClean="0"/>
               <a:t>more components or units are integrated, </a:t>
             </a:r>
             <a:r>
-              <a:rPr lang="en-US" sz="1800" i="1" dirty="0" smtClean="0"/>
+              <a:rPr lang="en-US" sz="1600" i="1" dirty="0" smtClean="0"/>
               <a:t>subsystem- </a:t>
             </a:r>
             <a:r>
-              <a:rPr lang="en-US" sz="1800" dirty="0"/>
+              <a:rPr lang="en-US" sz="1600" dirty="0"/>
               <a:t>or </a:t>
             </a:r>
             <a:r>
-              <a:rPr lang="en-US" sz="1800" i="1" dirty="0" smtClean="0"/>
+              <a:rPr lang="en-US" sz="1600" i="1" dirty="0" smtClean="0"/>
               <a:t>system-level </a:t>
             </a:r>
             <a:r>
-              <a:rPr lang="en-US" sz="1800" dirty="0" smtClean="0"/>
+              <a:rPr lang="en-US" sz="1600" dirty="0" smtClean="0"/>
               <a:t>integration</a:t>
             </a:r>
             <a:r>
-              <a:rPr lang="en-US" sz="1800" i="1" dirty="0" smtClean="0"/>
+              <a:rPr lang="en-US" sz="1600" i="1" dirty="0" smtClean="0"/>
               <a:t> </a:t>
             </a:r>
             <a:r>
-              <a:rPr lang="en-US" sz="1800" dirty="0" smtClean="0"/>
+              <a:rPr lang="en-US" sz="1600" dirty="0" smtClean="0"/>
               <a:t>is achieved.</a:t>
             </a:r>
           </a:p>
           <a:p>
             <a:r>
-              <a:rPr lang="en-US" sz="1800" b="1" i="1" dirty="0" smtClean="0"/>
+              <a:rPr lang="en-US" sz="1600" b="1" i="1" dirty="0" smtClean="0"/>
               <a:t>Functionality</a:t>
             </a:r>
             <a:r>
-              <a:rPr lang="en-US" sz="1800" dirty="0" smtClean="0"/>
+              <a:rPr lang="en-US" sz="1600" dirty="0" smtClean="0"/>
               <a:t> is evaluated with system tests.</a:t>
             </a:r>
-            <a:endParaRPr lang="en-US" sz="1800" dirty="0"/>
-          </a:p>
-          <a:p>
-            <a:r>
-              <a:rPr lang="en-US" sz="1800" i="1" dirty="0" smtClean="0"/>
+            <a:endParaRPr lang="en-US" sz="1600" dirty="0"/>
+          </a:p>
+          <a:p>
+            <a:r>
+              <a:rPr lang="en-US" sz="1600" i="1" dirty="0" smtClean="0"/>
               <a:t>Glue code </a:t>
             </a:r>
             <a:r>
-              <a:rPr lang="en-US" sz="1800" dirty="0" smtClean="0"/>
+              <a:rPr lang="en-US" sz="1600" dirty="0" smtClean="0"/>
               <a:t>is often (99%) involved. </a:t>
             </a:r>
           </a:p>
           <a:p>
             <a:pPr lvl="1"/>
             <a:r>
-              <a:rPr lang="en-US" sz="1800" baseline="0" dirty="0" smtClean="0"/>
+              <a:rPr lang="en-US" sz="1600" baseline="0" dirty="0" smtClean="0"/>
               <a:t>Realistically,</a:t>
             </a:r>
             <a:r>
-              <a:rPr lang="en-US" sz="1800" dirty="0" smtClean="0"/>
+              <a:rPr lang="en-US" sz="1600" dirty="0" smtClean="0"/>
               <a:t> not all code is composed into functions. Any code in-between function or method calls is glue code.</a:t>
             </a:r>
           </a:p>
           <a:p>
             <a:pPr lvl="1"/>
             <a:r>
-              <a:rPr lang="en-US" sz="1800" dirty="0"/>
+              <a:rPr lang="en-US" sz="1600" dirty="0"/>
               <a:t>Not all </a:t>
             </a:r>
             <a:r>
-              <a:rPr lang="en-US" sz="1800" dirty="0" smtClean="0"/>
+              <a:rPr lang="en-US" sz="1600" dirty="0" smtClean="0"/>
               <a:t>glue code is </a:t>
             </a:r>
             <a:r>
-              <a:rPr lang="en-US" sz="1800" dirty="0"/>
+              <a:rPr lang="en-US" sz="1600" dirty="0"/>
               <a:t>bad </a:t>
             </a:r>
             <a:r>
-              <a:rPr lang="en-US" sz="1800" dirty="0" smtClean="0"/>
+              <a:rPr lang="en-US" sz="1600" dirty="0" smtClean="0"/>
               <a:t>design, but it usually is. Glue code is something to </a:t>
             </a:r>
             <a:r>
-              <a:rPr lang="en-US" sz="1800" b="1" dirty="0" smtClean="0"/>
+              <a:rPr lang="en-US" sz="1600" b="1" dirty="0" smtClean="0"/>
               <a:t>minimize</a:t>
             </a:r>
             <a:r>
-              <a:rPr lang="en-US" sz="1800" dirty="0" smtClean="0"/>
+              <a:rPr lang="en-US" sz="1600" dirty="0" smtClean="0"/>
               <a:t>, especially if it starts showing up in your test suite.</a:t>
             </a:r>
-            <a:endParaRPr lang="en-US" sz="1800" dirty="0"/>
+            <a:endParaRPr lang="en-US" sz="1600" dirty="0"/>
           </a:p>
           <a:p>
             <a:pPr lvl="1"/>
             <a:r>
-              <a:rPr lang="en-US" sz="1800" dirty="0" smtClean="0"/>
+              <a:rPr lang="en-US" sz="1600" dirty="0" smtClean="0"/>
               <a:t>Glue code can mean that </a:t>
             </a:r>
             <a:r>
-              <a:rPr lang="en-US" sz="1800" b="1" dirty="0" smtClean="0"/>
+              <a:rPr lang="en-US" sz="1600" b="1" dirty="0" smtClean="0"/>
               <a:t>data values could get changed unexpectedly </a:t>
             </a:r>
             <a:r>
-              <a:rPr lang="en-US" sz="1800" dirty="0" smtClean="0"/>
+              <a:rPr lang="en-US" sz="1600" dirty="0" smtClean="0"/>
               <a:t>(and transparently) between functions.</a:t>
             </a:r>
           </a:p>
           <a:p>
             <a:pPr lvl="0"/>
             <a:r>
-              <a:rPr lang="en-US" sz="1800" dirty="0" smtClean="0"/>
+              <a:rPr lang="en-US" sz="1600" dirty="0" smtClean="0"/>
               <a:t>Data validation often happens at the system level.</a:t>
             </a:r>
           </a:p>
           <a:p>
             <a:pPr lvl="1"/>
             <a:r>
-              <a:rPr lang="en-US" sz="1800" dirty="0" smtClean="0"/>
+              <a:rPr lang="en-US" sz="1600" dirty="0" smtClean="0"/>
               <a:t>Here we have a </a:t>
             </a:r>
             <a:r>
-              <a:rPr lang="en-US" sz="1800" dirty="0" err="1" smtClean="0"/>
+              <a:rPr lang="en-US" sz="1600" dirty="0" err="1" smtClean="0"/>
               <a:t>validate_data</a:t>
             </a:r>
             <a:r>
-              <a:rPr lang="en-US" sz="1800" dirty="0" smtClean="0"/>
-              <a:t> function that intercepts bad grades. Good move.</a:t>
+              <a:rPr lang="en-US" sz="1600" dirty="0" smtClean="0"/>
+              <a:t> function that intercepts bad </a:t>
+            </a:r>
+            <a:r>
+              <a:rPr lang="en-US" sz="1600" dirty="0" smtClean="0"/>
+              <a:t>scores. </a:t>
+            </a:r>
+            <a:r>
+              <a:rPr lang="en-US" sz="1600" dirty="0" smtClean="0"/>
+              <a:t>Good move.</a:t>
             </a:r>
           </a:p>
           <a:p>
             <a:pPr lvl="1"/>
             <a:r>
-              <a:rPr lang="en-US" sz="1800" dirty="0" smtClean="0"/>
+              <a:rPr lang="en-US" sz="1600" dirty="0" smtClean="0"/>
               <a:t>However, what if someone wants to use </a:t>
             </a:r>
             <a:r>
-              <a:rPr lang="en-US" sz="1800" dirty="0" err="1" smtClean="0"/>
+              <a:rPr lang="en-US" sz="1600" dirty="0" err="1" smtClean="0"/>
               <a:t>get_letter_grade</a:t>
             </a:r>
             <a:r>
-              <a:rPr lang="en-US" sz="1800" dirty="0" smtClean="0"/>
+              <a:rPr lang="en-US" sz="1600" dirty="0" smtClean="0"/>
               <a:t> inside another place in the code, and we haven’t validated those inputs first as we did here?</a:t>
             </a:r>
           </a:p>
           <a:p>
             <a:pPr lvl="1"/>
             <a:r>
-              <a:rPr lang="en-US" sz="1800" dirty="0" smtClean="0"/>
+              <a:rPr lang="en-US" sz="1600" dirty="0" smtClean="0"/>
               <a:t>We </a:t>
             </a:r>
             <a:r>
-              <a:rPr lang="en-US" sz="1800" b="1" dirty="0" smtClean="0"/>
+              <a:rPr lang="en-US" sz="1600" b="1" dirty="0" smtClean="0"/>
               <a:t>can’t solely rely on system tests </a:t>
             </a:r>
             <a:r>
-              <a:rPr lang="en-US" sz="1800" dirty="0" smtClean="0"/>
-              <a:t>to error test our underlying functions.</a:t>
+              <a:rPr lang="en-US" sz="1600" dirty="0" smtClean="0"/>
+              <a:t>to </a:t>
+            </a:r>
+            <a:r>
+              <a:rPr lang="en-US" sz="1600" dirty="0" smtClean="0"/>
+              <a:t>checks all errors in </a:t>
+            </a:r>
+            <a:r>
+              <a:rPr lang="en-US" sz="1600" dirty="0" smtClean="0"/>
+              <a:t>our underlying functions.</a:t>
             </a:r>
           </a:p>
           <a:p>
             <a:pPr lvl="1"/>
             <a:r>
-              <a:rPr lang="en-US" sz="1800" dirty="0" smtClean="0"/>
+              <a:rPr lang="en-US" sz="1600" dirty="0" smtClean="0"/>
               <a:t>We can’t assume data validation </a:t>
             </a:r>
             <a:r>
-              <a:rPr lang="en-US" sz="1800" i="1" dirty="0" smtClean="0"/>
+              <a:rPr lang="en-US" sz="1600" i="1" dirty="0" smtClean="0"/>
               <a:t>in one spot </a:t>
             </a:r>
             <a:r>
-              <a:rPr lang="en-US" sz="1800" dirty="0" smtClean="0"/>
+              <a:rPr lang="en-US" sz="1600" dirty="0" smtClean="0"/>
               <a:t>maintains data integrity </a:t>
             </a:r>
             <a:r>
-              <a:rPr lang="en-US" sz="1800" i="1" dirty="0" smtClean="0"/>
+              <a:rPr lang="en-US" sz="1600" i="1" dirty="0" smtClean="0"/>
               <a:t>everywhere</a:t>
             </a:r>
             <a:r>
-              <a:rPr lang="en-US" sz="1800" dirty="0" smtClean="0"/>
+              <a:rPr lang="en-US" sz="1600" dirty="0" smtClean="0"/>
               <a:t>.</a:t>
             </a:r>
           </a:p>
@@ -12471,7 +14561,7 @@
         <p:spPr>
           <a:xfrm>
             <a:off x="129267" y="1621760"/>
-            <a:ext cx="6531472" cy="4110172"/>
+            <a:ext cx="6245775" cy="3930387"/>
           </a:xfrm>
           <a:prstGeom prst="rect">
             <a:avLst/>
@@ -12498,7 +14588,7 @@
 </p:sld>
 </file>
 
-<file path=ppt/slides/slide7.xml><?xml version="1.0" encoding="utf-8"?>
+<file path=ppt/slides/slide9.xml><?xml version="1.0" encoding="utf-8"?>
 <p:sld xmlns:a="http://schemas.openxmlformats.org/drawingml/2006/main" xmlns:r="http://schemas.openxmlformats.org/officeDocument/2006/relationships" xmlns:p="http://schemas.openxmlformats.org/presentationml/2006/main">
   <p:cSld>
     <p:spTree>
@@ -12566,13 +14656,29 @@
           <a:p>
             <a:r>
               <a:rPr lang="en-US" dirty="0"/>
-              <a:t>A program is only a strong or reliable as its basic components. </a:t>
-            </a:r>
-          </a:p>
-          <a:p>
-            <a:r>
-              <a:rPr lang="en-US" dirty="0" smtClean="0"/>
-              <a:t>Good code coverage at the unit/integration level, and good functionality testing at the system level is </a:t>
+              <a:t>A program is only </a:t>
+            </a:r>
+            <a:r>
+              <a:rPr lang="en-US" dirty="0" smtClean="0"/>
+              <a:t>as </a:t>
+            </a:r>
+            <a:r>
+              <a:rPr lang="en-US" dirty="0"/>
+              <a:t>strong or reliable as its basic components. </a:t>
+            </a:r>
+          </a:p>
+          <a:p>
+            <a:r>
+              <a:rPr lang="en-US" smtClean="0"/>
+              <a:t>Good </a:t>
+            </a:r>
+            <a:r>
+              <a:rPr lang="en-US" smtClean="0"/>
+              <a:t>test </a:t>
+            </a:r>
+            <a:r>
+              <a:rPr lang="en-US" dirty="0" smtClean="0"/>
+              <a:t>coverage at the unit/integration level, and good functionality testing at the system level is </a:t>
             </a:r>
             <a:r>
               <a:rPr lang="en-US" b="1" dirty="0" smtClean="0">
@@ -12642,15 +14748,7 @@
             </a:r>
             <a:r>
               <a:rPr lang="en-US" baseline="0" dirty="0" smtClean="0"/>
-              <a:t> the needed </a:t>
-            </a:r>
-            <a:r>
-              <a:rPr lang="en-US" baseline="0" dirty="0" smtClean="0"/>
-              <a:t>test coverage</a:t>
-            </a:r>
-            <a:r>
-              <a:rPr lang="en-US" baseline="0" dirty="0" smtClean="0"/>
-              <a:t>.</a:t>
+              <a:t> the needed test coverage.</a:t>
             </a:r>
           </a:p>
           <a:p>
@@ -12747,427 +14845,6 @@
     <p:extLst>
       <p:ext uri="{BB962C8B-B14F-4D97-AF65-F5344CB8AC3E}">
         <p14:creationId xmlns:p14="http://schemas.microsoft.com/office/powerpoint/2010/main" val="3761739980"/>
-      </p:ext>
-    </p:extLst>
-  </p:cSld>
-  <p:clrMapOvr>
-    <a:masterClrMapping/>
-  </p:clrMapOvr>
-  <p:timing>
-    <p:tnLst>
-      <p:par>
-        <p:cTn id="1" dur="indefinite" restart="never" nodeType="tmRoot"/>
-      </p:par>
-    </p:tnLst>
-  </p:timing>
-</p:sld>
-</file>
-
-<file path=ppt/slides/slide8.xml><?xml version="1.0" encoding="utf-8"?>
-<p:sld xmlns:a="http://schemas.openxmlformats.org/drawingml/2006/main" xmlns:r="http://schemas.openxmlformats.org/officeDocument/2006/relationships" xmlns:p="http://schemas.openxmlformats.org/presentationml/2006/main">
-  <p:cSld>
-    <p:spTree>
-      <p:nvGrpSpPr>
-        <p:cNvPr id="1" name=""/>
-        <p:cNvGrpSpPr/>
-        <p:nvPr/>
-      </p:nvGrpSpPr>
-      <p:grpSpPr>
-        <a:xfrm>
-          <a:off x="0" y="0"/>
-          <a:ext cx="0" cy="0"/>
-          <a:chOff x="0" y="0"/>
-          <a:chExt cx="0" cy="0"/>
-        </a:xfrm>
-      </p:grpSpPr>
-      <p:sp>
-        <p:nvSpPr>
-          <p:cNvPr id="2" name="Title 1"/>
-          <p:cNvSpPr>
-            <a:spLocks noGrp="1"/>
-          </p:cNvSpPr>
-          <p:nvPr>
-            <p:ph type="title"/>
-          </p:nvPr>
-        </p:nvSpPr>
-        <p:spPr/>
-        <p:txBody>
-          <a:bodyPr/>
-          <a:lstStyle/>
-          <a:p>
-            <a:r>
-              <a:rPr lang="en-US" dirty="0" smtClean="0"/>
-              <a:t>Test coverage</a:t>
-            </a:r>
-            <a:endParaRPr lang="en-US" dirty="0"/>
-          </a:p>
-        </p:txBody>
-      </p:sp>
-      <p:sp>
-        <p:nvSpPr>
-          <p:cNvPr id="3" name="Content Placeholder 2"/>
-          <p:cNvSpPr>
-            <a:spLocks noGrp="1"/>
-          </p:cNvSpPr>
-          <p:nvPr>
-            <p:ph idx="1"/>
-          </p:nvPr>
-        </p:nvSpPr>
-        <p:spPr>
-          <a:xfrm>
-            <a:off x="838200" y="1825624"/>
-            <a:ext cx="10515600" cy="4575175"/>
-          </a:xfrm>
-        </p:spPr>
-        <p:txBody>
-          <a:bodyPr>
-            <a:normAutofit lnSpcReduction="10000"/>
-          </a:bodyPr>
-          <a:lstStyle/>
-          <a:p>
-            <a:r>
-              <a:rPr lang="en-US" baseline="0" dirty="0" smtClean="0"/>
-              <a:t>Test coverage needs focus</a:t>
-            </a:r>
-          </a:p>
-          <a:p>
-            <a:pPr lvl="1"/>
-            <a:r>
-              <a:rPr lang="en-US" dirty="0"/>
-              <a:t>JEL will communicate </a:t>
-            </a:r>
-            <a:r>
-              <a:rPr lang="en-US" dirty="0">
-                <a:hlinkClick r:id="rId3" action="ppaction://hlinksldjump"/>
-              </a:rPr>
-              <a:t>test coverage</a:t>
-            </a:r>
-            <a:r>
-              <a:rPr lang="en-US" dirty="0"/>
-              <a:t> as primary metric in all test reports. Methods of reporting will look slightly different for each test level, and so would require some collaboration.</a:t>
-            </a:r>
-          </a:p>
-          <a:p>
-            <a:pPr lvl="1"/>
-            <a:r>
-              <a:rPr lang="en-US" baseline="0" dirty="0" smtClean="0"/>
-              <a:t>Capability </a:t>
-            </a:r>
-            <a:r>
-              <a:rPr lang="en-US" baseline="0" dirty="0" smtClean="0"/>
-              <a:t>team should communicate </a:t>
-            </a:r>
-            <a:r>
-              <a:rPr lang="en-US" baseline="0" dirty="0" smtClean="0">
-                <a:hlinkClick r:id="rId4" action="ppaction://hlinksldjump"/>
-              </a:rPr>
-              <a:t>desired strength of test coverage</a:t>
-            </a:r>
-            <a:r>
-              <a:rPr lang="en-US" baseline="0" dirty="0" smtClean="0"/>
-              <a:t> and testing priorities for each feature.</a:t>
-            </a:r>
-            <a:r>
-              <a:rPr lang="en-US" dirty="0" smtClean="0"/>
-              <a:t> </a:t>
-            </a:r>
-            <a:r>
-              <a:rPr lang="en-US" b="1" baseline="0" dirty="0" smtClean="0"/>
-              <a:t>Common </a:t>
-            </a:r>
-            <a:r>
-              <a:rPr lang="en-US" b="1" dirty="0" smtClean="0"/>
-              <a:t>use </a:t>
-            </a:r>
-            <a:r>
-              <a:rPr lang="en-US" b="1" dirty="0" smtClean="0"/>
-              <a:t>cases </a:t>
-            </a:r>
-            <a:r>
-              <a:rPr lang="en-US" b="1" dirty="0" smtClean="0"/>
-              <a:t>for </a:t>
-            </a:r>
-            <a:r>
-              <a:rPr lang="en-US" b="1" dirty="0"/>
-              <a:t>methodology </a:t>
-            </a:r>
-            <a:r>
-              <a:rPr lang="en-US" b="1" dirty="0" smtClean="0"/>
-              <a:t>should </a:t>
-            </a:r>
-            <a:r>
-              <a:rPr lang="en-US" b="1" dirty="0" smtClean="0"/>
-              <a:t>have more emphasis than uncommon ones</a:t>
-            </a:r>
-            <a:r>
-              <a:rPr lang="en-US" b="1" baseline="0" dirty="0" smtClean="0"/>
-              <a:t>.</a:t>
-            </a:r>
-            <a:r>
-              <a:rPr lang="en-US" baseline="0" dirty="0" smtClean="0"/>
-              <a:t> </a:t>
-            </a:r>
-          </a:p>
-          <a:p>
-            <a:pPr lvl="1"/>
-            <a:endParaRPr lang="en-US" baseline="0" dirty="0" smtClean="0"/>
-          </a:p>
-          <a:p>
-            <a:r>
-              <a:rPr lang="en-US" dirty="0" smtClean="0"/>
-              <a:t>Examining test coverage with current </a:t>
-            </a:r>
-            <a:r>
-              <a:rPr lang="en-US" dirty="0" err="1" smtClean="0"/>
-              <a:t>WinBlast</a:t>
-            </a:r>
-            <a:r>
-              <a:rPr lang="en-US" dirty="0" smtClean="0"/>
-              <a:t> </a:t>
-            </a:r>
-            <a:r>
-              <a:rPr lang="en-US" dirty="0" smtClean="0"/>
-              <a:t>configuration</a:t>
-            </a:r>
-            <a:endParaRPr lang="en-US" dirty="0" smtClean="0"/>
-          </a:p>
-          <a:p>
-            <a:pPr lvl="1"/>
-            <a:r>
-              <a:rPr lang="en-US" dirty="0" smtClean="0"/>
-              <a:t>Although we can report the </a:t>
-            </a:r>
-            <a:r>
-              <a:rPr lang="en-US" dirty="0" err="1" smtClean="0"/>
-              <a:t>WinBlast</a:t>
-            </a:r>
-            <a:r>
-              <a:rPr lang="en-US" dirty="0" smtClean="0"/>
-              <a:t> plugin test coverage since we have the source code, many of the underlying libraries are </a:t>
-            </a:r>
-            <a:r>
-              <a:rPr lang="en-US" dirty="0" smtClean="0"/>
-              <a:t>in </a:t>
-            </a:r>
-            <a:r>
-              <a:rPr lang="en-US" dirty="0" smtClean="0"/>
-              <a:t>binary form only</a:t>
-            </a:r>
-            <a:r>
-              <a:rPr lang="en-US" dirty="0" smtClean="0"/>
-              <a:t>.</a:t>
-            </a:r>
-          </a:p>
-          <a:p>
-            <a:pPr lvl="1"/>
-            <a:r>
-              <a:rPr lang="en-US" dirty="0" smtClean="0"/>
-              <a:t>Can we </a:t>
-            </a:r>
-            <a:r>
-              <a:rPr lang="en-US" dirty="0" smtClean="0"/>
-              <a:t>also get </a:t>
-            </a:r>
-            <a:r>
-              <a:rPr lang="en-US" dirty="0" smtClean="0"/>
-              <a:t>test coverage reports from the dependent modules?</a:t>
-            </a:r>
-          </a:p>
-        </p:txBody>
-      </p:sp>
-    </p:spTree>
-    <p:extLst>
-      <p:ext uri="{BB962C8B-B14F-4D97-AF65-F5344CB8AC3E}">
-        <p14:creationId xmlns:p14="http://schemas.microsoft.com/office/powerpoint/2010/main" val="927310514"/>
-      </p:ext>
-    </p:extLst>
-  </p:cSld>
-  <p:clrMapOvr>
-    <a:masterClrMapping/>
-  </p:clrMapOvr>
-  <p:timing>
-    <p:tnLst>
-      <p:par>
-        <p:cTn id="1" dur="indefinite" restart="never" nodeType="tmRoot"/>
-      </p:par>
-    </p:tnLst>
-  </p:timing>
-</p:sld>
-</file>
-
-<file path=ppt/slides/slide9.xml><?xml version="1.0" encoding="utf-8"?>
-<p:sld xmlns:a="http://schemas.openxmlformats.org/drawingml/2006/main" xmlns:r="http://schemas.openxmlformats.org/officeDocument/2006/relationships" xmlns:p="http://schemas.openxmlformats.org/presentationml/2006/main">
-  <p:cSld>
-    <p:spTree>
-      <p:nvGrpSpPr>
-        <p:cNvPr id="1" name=""/>
-        <p:cNvGrpSpPr/>
-        <p:nvPr/>
-      </p:nvGrpSpPr>
-      <p:grpSpPr>
-        <a:xfrm>
-          <a:off x="0" y="0"/>
-          <a:ext cx="0" cy="0"/>
-          <a:chOff x="0" y="0"/>
-          <a:chExt cx="0" cy="0"/>
-        </a:xfrm>
-      </p:grpSpPr>
-      <p:sp>
-        <p:nvSpPr>
-          <p:cNvPr id="2" name="Title 1"/>
-          <p:cNvSpPr>
-            <a:spLocks noGrp="1"/>
-          </p:cNvSpPr>
-          <p:nvPr>
-            <p:ph type="title"/>
-          </p:nvPr>
-        </p:nvSpPr>
-        <p:spPr>
-          <a:xfrm>
-            <a:off x="838200" y="177773"/>
-            <a:ext cx="10515600" cy="1325563"/>
-          </a:xfrm>
-        </p:spPr>
-        <p:txBody>
-          <a:bodyPr/>
-          <a:lstStyle/>
-          <a:p>
-            <a:r>
-              <a:rPr lang="en-US" dirty="0" smtClean="0"/>
-              <a:t>Conclusion</a:t>
-            </a:r>
-            <a:endParaRPr lang="en-US" dirty="0"/>
-          </a:p>
-        </p:txBody>
-      </p:sp>
-      <p:sp>
-        <p:nvSpPr>
-          <p:cNvPr id="3" name="Content Placeholder 2"/>
-          <p:cNvSpPr>
-            <a:spLocks noGrp="1"/>
-          </p:cNvSpPr>
-          <p:nvPr>
-            <p:ph idx="1"/>
-          </p:nvPr>
-        </p:nvSpPr>
-        <p:spPr>
-          <a:xfrm>
-            <a:off x="838200" y="1503336"/>
-            <a:ext cx="10515600" cy="4673627"/>
-          </a:xfrm>
-        </p:spPr>
-        <p:txBody>
-          <a:bodyPr>
-            <a:normAutofit fontScale="92500" lnSpcReduction="10000"/>
-          </a:bodyPr>
-          <a:lstStyle/>
-          <a:p>
-            <a:r>
-              <a:rPr lang="en-US" dirty="0" smtClean="0"/>
-              <a:t>Capability team needs to focus on </a:t>
-            </a:r>
-          </a:p>
-          <a:p>
-            <a:pPr lvl="1"/>
-            <a:r>
-              <a:rPr lang="en-US" dirty="0" smtClean="0"/>
-              <a:t>Evidence of proper design and </a:t>
-            </a:r>
-            <a:r>
-              <a:rPr lang="en-US" dirty="0" smtClean="0"/>
-              <a:t>testing of all modules, if possible.</a:t>
-            </a:r>
-            <a:endParaRPr lang="en-US" dirty="0" smtClean="0"/>
-          </a:p>
-          <a:p>
-            <a:pPr lvl="1"/>
-            <a:r>
-              <a:rPr lang="en-US" dirty="0" smtClean="0"/>
-              <a:t>Test case design at each design iteration, in conjunction with </a:t>
-            </a:r>
-            <a:r>
-              <a:rPr lang="en-US" dirty="0" err="1" smtClean="0"/>
-              <a:t>WinBlast</a:t>
-            </a:r>
-            <a:r>
-              <a:rPr lang="en-US" dirty="0" smtClean="0"/>
-              <a:t> developers and JEL team.</a:t>
-            </a:r>
-          </a:p>
-          <a:p>
-            <a:pPr lvl="1"/>
-            <a:endParaRPr lang="en-US" dirty="0"/>
-          </a:p>
-          <a:p>
-            <a:r>
-              <a:rPr lang="en-US" dirty="0" smtClean="0"/>
-              <a:t>We want to concentrate on including missed tests or </a:t>
-            </a:r>
-            <a:r>
-              <a:rPr lang="en-US" dirty="0"/>
-              <a:t>eliminating redundant </a:t>
-            </a:r>
-            <a:r>
-              <a:rPr lang="en-US" dirty="0" smtClean="0"/>
-              <a:t>cases at each layer to achieve a balanced testing approach.</a:t>
-            </a:r>
-          </a:p>
-          <a:p>
-            <a:pPr lvl="1"/>
-            <a:r>
-              <a:rPr lang="en-US" baseline="0" dirty="0" smtClean="0"/>
-              <a:t>Unit</a:t>
-            </a:r>
-          </a:p>
-          <a:p>
-            <a:pPr lvl="1"/>
-            <a:r>
-              <a:rPr lang="en-US" dirty="0" smtClean="0"/>
-              <a:t>Integration</a:t>
-            </a:r>
-          </a:p>
-          <a:p>
-            <a:pPr lvl="1"/>
-            <a:r>
-              <a:rPr lang="en-US" dirty="0" smtClean="0"/>
-              <a:t>System </a:t>
-            </a:r>
-          </a:p>
-          <a:p>
-            <a:pPr lvl="1"/>
-            <a:endParaRPr lang="en-US" baseline="0" dirty="0" smtClean="0"/>
-          </a:p>
-          <a:p>
-            <a:pPr lvl="0">
-              <a:defRPr/>
-            </a:pPr>
-            <a:r>
-              <a:rPr lang="en-US" i="1" dirty="0" smtClean="0"/>
-              <a:t>Good team decisions on the number of boundary or partition test cases </a:t>
-            </a:r>
-            <a:r>
-              <a:rPr lang="en-US" dirty="0" smtClean="0"/>
-              <a:t>and </a:t>
-            </a:r>
-            <a:r>
-              <a:rPr lang="en-US" i="1" dirty="0" smtClean="0"/>
-              <a:t>measuring code coverage </a:t>
-            </a:r>
-            <a:r>
-              <a:rPr lang="en-US" dirty="0" smtClean="0"/>
-              <a:t>will help improve our priorities and progress.</a:t>
-            </a:r>
-            <a:endParaRPr lang="en-US" dirty="0"/>
-          </a:p>
-          <a:p>
-            <a:endParaRPr lang="en-US" dirty="0"/>
-          </a:p>
-        </p:txBody>
-      </p:sp>
-    </p:spTree>
-    <p:extLst>
-      <p:ext uri="{BB962C8B-B14F-4D97-AF65-F5344CB8AC3E}">
-        <p14:creationId xmlns:p14="http://schemas.microsoft.com/office/powerpoint/2010/main" val="4270967335"/>
       </p:ext>
     </p:extLst>
   </p:cSld>
